--- a/ReConPatch, Contrastive Patch Representation Learning for Industrial/ReConPatch, Contrastive Patch Representation Learning for Industrial.pptx
+++ b/ReConPatch, Contrastive Patch Representation Learning for Industrial/ReConPatch, Contrastive Patch Representation Learning for Industrial.pptx
@@ -5,7 +5,7 @@
     <p:sldMasterId id="2147483648" r:id="rId1"/>
   </p:sldMasterIdLst>
   <p:notesMasterIdLst>
-    <p:notesMasterId r:id="rId13"/>
+    <p:notesMasterId r:id="rId14"/>
   </p:notesMasterIdLst>
   <p:sldIdLst>
     <p:sldId id="256" r:id="rId2"/>
@@ -17,8 +17,9 @@
     <p:sldId id="297" r:id="rId8"/>
     <p:sldId id="299" r:id="rId9"/>
     <p:sldId id="300" r:id="rId10"/>
-    <p:sldId id="298" r:id="rId11"/>
-    <p:sldId id="270" r:id="rId12"/>
+    <p:sldId id="301" r:id="rId11"/>
+    <p:sldId id="298" r:id="rId12"/>
+    <p:sldId id="270" r:id="rId13"/>
   </p:sldIdLst>
   <p:sldSz cx="12192000" cy="6858000"/>
   <p:notesSz cx="6858000" cy="9144000"/>
@@ -226,7 +227,7 @@
             <a:pPr lvl="0"/>
             <a:fld id="{4890B703-0836-499D-9F8D-D18F794AD7C3}" type="datetime1">
               <a:rPr lang="ko-KR" altLang="en-US" smtClean="0"/>
-              <a:t>2024-01-02</a:t>
+              <a:t>2024-01-03</a:t>
             </a:fld>
             <a:endParaRPr lang="ko-KR" altLang="en-US"/>
           </a:p>
@@ -871,7 +872,7 @@
             <a:pPr lvl="0"/>
             <a:fld id="{17CD097A-5759-4135-9984-2451C32C3456}" type="slidenum">
               <a:rPr lang="ko-KR" altLang="en-US" smtClean="0"/>
-              <a:t>10</a:t>
+              <a:t>11</a:t>
             </a:fld>
             <a:endParaRPr lang="ko-KR" altLang="en-US"/>
           </a:p>
@@ -1037,7 +1038,7 @@
           <a:p>
             <a:fld id="{C98425AB-0F5E-4B1B-A3F7-CE19EA6D8895}" type="datetimeFigureOut">
               <a:rPr lang="ko-KR" altLang="en-US" smtClean="0"/>
-              <a:t>2024-01-02</a:t>
+              <a:t>2024-01-03</a:t>
             </a:fld>
             <a:endParaRPr lang="ko-KR" altLang="en-US"/>
           </a:p>
@@ -1235,7 +1236,7 @@
           <a:p>
             <a:fld id="{C98425AB-0F5E-4B1B-A3F7-CE19EA6D8895}" type="datetimeFigureOut">
               <a:rPr lang="ko-KR" altLang="en-US" smtClean="0"/>
-              <a:t>2024-01-02</a:t>
+              <a:t>2024-01-03</a:t>
             </a:fld>
             <a:endParaRPr lang="ko-KR" altLang="en-US"/>
           </a:p>
@@ -1443,7 +1444,7 @@
           <a:p>
             <a:fld id="{C98425AB-0F5E-4B1B-A3F7-CE19EA6D8895}" type="datetimeFigureOut">
               <a:rPr lang="ko-KR" altLang="en-US" smtClean="0"/>
-              <a:t>2024-01-02</a:t>
+              <a:t>2024-01-03</a:t>
             </a:fld>
             <a:endParaRPr lang="ko-KR" altLang="en-US"/>
           </a:p>
@@ -1641,7 +1642,7 @@
           <a:p>
             <a:fld id="{C98425AB-0F5E-4B1B-A3F7-CE19EA6D8895}" type="datetimeFigureOut">
               <a:rPr lang="ko-KR" altLang="en-US" smtClean="0"/>
-              <a:t>2024-01-02</a:t>
+              <a:t>2024-01-03</a:t>
             </a:fld>
             <a:endParaRPr lang="ko-KR" altLang="en-US"/>
           </a:p>
@@ -1916,7 +1917,7 @@
           <a:p>
             <a:fld id="{C98425AB-0F5E-4B1B-A3F7-CE19EA6D8895}" type="datetimeFigureOut">
               <a:rPr lang="ko-KR" altLang="en-US" smtClean="0"/>
-              <a:t>2024-01-02</a:t>
+              <a:t>2024-01-03</a:t>
             </a:fld>
             <a:endParaRPr lang="ko-KR" altLang="en-US"/>
           </a:p>
@@ -2181,7 +2182,7 @@
           <a:p>
             <a:fld id="{C98425AB-0F5E-4B1B-A3F7-CE19EA6D8895}" type="datetimeFigureOut">
               <a:rPr lang="ko-KR" altLang="en-US" smtClean="0"/>
-              <a:t>2024-01-02</a:t>
+              <a:t>2024-01-03</a:t>
             </a:fld>
             <a:endParaRPr lang="ko-KR" altLang="en-US"/>
           </a:p>
@@ -2593,7 +2594,7 @@
           <a:p>
             <a:fld id="{C98425AB-0F5E-4B1B-A3F7-CE19EA6D8895}" type="datetimeFigureOut">
               <a:rPr lang="ko-KR" altLang="en-US" smtClean="0"/>
-              <a:t>2024-01-02</a:t>
+              <a:t>2024-01-03</a:t>
             </a:fld>
             <a:endParaRPr lang="ko-KR" altLang="en-US"/>
           </a:p>
@@ -2734,7 +2735,7 @@
           <a:p>
             <a:fld id="{C98425AB-0F5E-4B1B-A3F7-CE19EA6D8895}" type="datetimeFigureOut">
               <a:rPr lang="ko-KR" altLang="en-US" smtClean="0"/>
-              <a:t>2024-01-02</a:t>
+              <a:t>2024-01-03</a:t>
             </a:fld>
             <a:endParaRPr lang="ko-KR" altLang="en-US"/>
           </a:p>
@@ -2847,7 +2848,7 @@
           <a:p>
             <a:fld id="{C98425AB-0F5E-4B1B-A3F7-CE19EA6D8895}" type="datetimeFigureOut">
               <a:rPr lang="ko-KR" altLang="en-US" smtClean="0"/>
-              <a:t>2024-01-02</a:t>
+              <a:t>2024-01-03</a:t>
             </a:fld>
             <a:endParaRPr lang="ko-KR" altLang="en-US"/>
           </a:p>
@@ -3158,7 +3159,7 @@
           <a:p>
             <a:fld id="{C98425AB-0F5E-4B1B-A3F7-CE19EA6D8895}" type="datetimeFigureOut">
               <a:rPr lang="ko-KR" altLang="en-US" smtClean="0"/>
-              <a:t>2024-01-02</a:t>
+              <a:t>2024-01-03</a:t>
             </a:fld>
             <a:endParaRPr lang="ko-KR" altLang="en-US"/>
           </a:p>
@@ -3446,7 +3447,7 @@
           <a:p>
             <a:fld id="{C98425AB-0F5E-4B1B-A3F7-CE19EA6D8895}" type="datetimeFigureOut">
               <a:rPr lang="ko-KR" altLang="en-US" smtClean="0"/>
-              <a:t>2024-01-02</a:t>
+              <a:t>2024-01-03</a:t>
             </a:fld>
             <a:endParaRPr lang="ko-KR" altLang="en-US"/>
           </a:p>
@@ -3687,7 +3688,7 @@
           <a:p>
             <a:fld id="{C98425AB-0F5E-4B1B-A3F7-CE19EA6D8895}" type="datetimeFigureOut">
               <a:rPr lang="ko-KR" altLang="en-US" smtClean="0"/>
-              <a:t>2024-01-02</a:t>
+              <a:t>2024-01-03</a:t>
             </a:fld>
             <a:endParaRPr lang="ko-KR" altLang="en-US"/>
           </a:p>
@@ -4182,7 +4183,7 @@
     <mc:Choice Requires="p14">
       <p:transition/>
     </mc:Choice>
-    <mc:Fallback xmlns:dsp="http://schemas.microsoft.com/office/drawing/2008/diagram" xmlns:dgm="http://schemas.openxmlformats.org/drawingml/2006/diagram" xmlns:c="http://schemas.openxmlformats.org/drawingml/2006/chart" xmlns="">
+    <mc:Fallback xmlns="" xmlns:c="http://schemas.openxmlformats.org/drawingml/2006/chart" xmlns:dgm="http://schemas.openxmlformats.org/drawingml/2006/diagram" xmlns:dsp="http://schemas.microsoft.com/office/drawing/2008/diagram">
       <p:transition/>
     </mc:Fallback>
   </mc:AlternateContent>
@@ -4208,6 +4209,206 @@
       </p:grpSpPr>
       <p:sp>
         <p:nvSpPr>
+          <p:cNvPr id="2" name="제목 1">
+            <a:extLst>
+              <a:ext uri="{FF2B5EF4-FFF2-40B4-BE49-F238E27FC236}">
+                <a16:creationId xmlns:a16="http://schemas.microsoft.com/office/drawing/2014/main" id="{44FE026F-B914-4142-BADB-732B8F33197D}"/>
+              </a:ext>
+            </a:extLst>
+          </p:cNvPr>
+          <p:cNvSpPr>
+            <a:spLocks noGrp="1"/>
+          </p:cNvSpPr>
+          <p:nvPr>
+            <p:ph type="title"/>
+          </p:nvPr>
+        </p:nvSpPr>
+        <p:spPr/>
+        <p:txBody>
+          <a:bodyPr/>
+          <a:lstStyle/>
+          <a:p>
+            <a:r>
+              <a:rPr lang="en-US" altLang="ko-KR" dirty="0"/>
+              <a:t>2. </a:t>
+            </a:r>
+            <a:r>
+              <a:rPr lang="ko-KR" altLang="en-US" dirty="0"/>
+              <a:t>모델</a:t>
+            </a:r>
+          </a:p>
+        </p:txBody>
+      </p:sp>
+      <p:sp>
+        <p:nvSpPr>
+          <p:cNvPr id="3" name="내용 개체 틀 2"/>
+          <p:cNvSpPr>
+            <a:spLocks noGrp="1"/>
+          </p:cNvSpPr>
+          <p:nvPr>
+            <p:ph idx="1"/>
+          </p:nvPr>
+        </p:nvSpPr>
+        <p:spPr>
+          <a:xfrm>
+            <a:off x="838200" y="1506071"/>
+            <a:ext cx="10515600" cy="2889810"/>
+          </a:xfrm>
+        </p:spPr>
+        <p:txBody>
+          <a:bodyPr>
+            <a:normAutofit/>
+          </a:bodyPr>
+          <a:lstStyle/>
+          <a:p>
+            <a:pPr marL="518000" lvl="0" indent="-518000">
+              <a:buClr>
+                <a:schemeClr val="tx1"/>
+              </a:buClr>
+              <a:buFont typeface="+mj-ea"/>
+              <a:buAutoNum type="circleNumDbPlain" startAt="2"/>
+              <a:defRPr/>
+            </a:pPr>
+            <a:r>
+              <a:rPr lang="en-US" altLang="ko-KR" dirty="0"/>
+              <a:t>Training phases</a:t>
+            </a:r>
+          </a:p>
+          <a:p>
+            <a:pPr lvl="0">
+              <a:buClr>
+                <a:schemeClr val="tx1"/>
+              </a:buClr>
+              <a:buFont typeface="Arial"/>
+              <a:defRPr/>
+            </a:pPr>
+            <a:r>
+              <a:rPr lang="en-US" altLang="ko-KR" dirty="0"/>
+              <a:t>Memory bank</a:t>
+            </a:r>
+          </a:p>
+          <a:p>
+            <a:pPr lvl="0">
+              <a:buClr>
+                <a:schemeClr val="tx1"/>
+              </a:buClr>
+              <a:buFontTx/>
+              <a:buChar char="-"/>
+              <a:defRPr/>
+            </a:pPr>
+            <a:r>
+              <a:rPr lang="ko-KR" altLang="en-US" dirty="0"/>
+              <a:t>샘플링을 통해 얻어진 특징</a:t>
+            </a:r>
+            <a:r>
+              <a:rPr lang="en-US" altLang="ko-KR" dirty="0"/>
+              <a:t>(feature) </a:t>
+            </a:r>
+            <a:r>
+              <a:rPr lang="ko-KR" altLang="en-US" dirty="0"/>
+              <a:t>값을</a:t>
+            </a:r>
+            <a:r>
+              <a:rPr lang="en-US" altLang="ko-KR" dirty="0"/>
+              <a:t> </a:t>
+            </a:r>
+            <a:r>
+              <a:rPr lang="ko-KR" altLang="en-US" dirty="0"/>
+              <a:t>저장</a:t>
+            </a:r>
+            <a:endParaRPr lang="en-US" altLang="ko-KR" dirty="0"/>
+          </a:p>
+          <a:p>
+            <a:pPr lvl="0">
+              <a:buClr>
+                <a:schemeClr val="tx1"/>
+              </a:buClr>
+              <a:buFontTx/>
+              <a:buChar char="-"/>
+              <a:defRPr/>
+            </a:pPr>
+            <a:endParaRPr lang="en-US" altLang="ko-KR" dirty="0"/>
+          </a:p>
+        </p:txBody>
+      </p:sp>
+      <p:pic>
+        <p:nvPicPr>
+          <p:cNvPr id="1026" name="Picture 2">
+            <a:extLst>
+              <a:ext uri="{FF2B5EF4-FFF2-40B4-BE49-F238E27FC236}">
+                <a16:creationId xmlns:a16="http://schemas.microsoft.com/office/drawing/2014/main" id="{18B97CB1-CE93-4378-B34B-A44236E08AF4}"/>
+              </a:ext>
+            </a:extLst>
+          </p:cNvPr>
+          <p:cNvPicPr>
+            <a:picLocks noChangeAspect="1" noChangeArrowheads="1"/>
+          </p:cNvPicPr>
+          <p:nvPr/>
+        </p:nvPicPr>
+        <p:blipFill rotWithShape="1">
+          <a:blip r:embed="rId2">
+            <a:extLst>
+              <a:ext uri="{28A0092B-C50C-407E-A947-70E740481C1C}">
+                <a14:useLocalDpi xmlns:a14="http://schemas.microsoft.com/office/drawing/2010/main" val="0"/>
+              </a:ext>
+            </a:extLst>
+          </a:blip>
+          <a:srcRect b="22287"/>
+          <a:stretch/>
+        </p:blipFill>
+        <p:spPr bwMode="auto">
+          <a:xfrm>
+            <a:off x="0" y="3228509"/>
+            <a:ext cx="12192000" cy="3264366"/>
+          </a:xfrm>
+          <a:prstGeom prst="rect">
+            <a:avLst/>
+          </a:prstGeom>
+          <a:noFill/>
+          <a:extLst>
+            <a:ext uri="{909E8E84-426E-40DD-AFC4-6F175D3DCCD1}">
+              <a14:hiddenFill xmlns:a14="http://schemas.microsoft.com/office/drawing/2010/main">
+                <a:solidFill>
+                  <a:srgbClr val="FFFFFF"/>
+                </a:solidFill>
+              </a14:hiddenFill>
+            </a:ext>
+          </a:extLst>
+        </p:spPr>
+      </p:pic>
+    </p:spTree>
+    <p:extLst>
+      <p:ext uri="{BB962C8B-B14F-4D97-AF65-F5344CB8AC3E}">
+        <p14:creationId xmlns:p14="http://schemas.microsoft.com/office/powerpoint/2010/main" val="3820082999"/>
+      </p:ext>
+    </p:extLst>
+  </p:cSld>
+  <p:clrMapOvr>
+    <a:masterClrMapping/>
+  </p:clrMapOvr>
+  <p:transition/>
+</p:sld>
+</file>
+
+<file path=ppt/slides/slide11.xml><?xml version="1.0" encoding="utf-8"?>
+<p:sld xmlns:a="http://schemas.openxmlformats.org/drawingml/2006/main" xmlns:r="http://schemas.openxmlformats.org/officeDocument/2006/relationships" xmlns:p="http://schemas.openxmlformats.org/presentationml/2006/main">
+  <p:cSld>
+    <p:spTree>
+      <p:nvGrpSpPr>
+        <p:cNvPr id="1" name=""/>
+        <p:cNvGrpSpPr/>
+        <p:nvPr/>
+      </p:nvGrpSpPr>
+      <p:grpSpPr>
+        <a:xfrm>
+          <a:off x="0" y="0"/>
+          <a:ext cx="0" cy="0"/>
+          <a:chOff x="0" y="0"/>
+          <a:chExt cx="0" cy="0"/>
+        </a:xfrm>
+      </p:grpSpPr>
+      <p:sp>
+        <p:nvSpPr>
           <p:cNvPr id="2" name="제목 1"/>
           <p:cNvSpPr>
             <a:spLocks noGrp="1"/>
@@ -4262,7 +4463,7 @@
                 <a:schemeClr val="tx1"/>
               </a:buClr>
               <a:buFont typeface="+mj-ea"/>
-              <a:buAutoNum type="circleNumDbPlain" startAt="2"/>
+              <a:buAutoNum type="circleNumDbPlain" startAt="3"/>
               <a:defRPr/>
             </a:pPr>
             <a:r>
@@ -4311,6 +4512,58 @@
           </a:prstGeom>
         </p:spPr>
       </p:pic>
+      <p:sp>
+        <p:nvSpPr>
+          <p:cNvPr id="5" name="직사각형 4">
+            <a:extLst>
+              <a:ext uri="{FF2B5EF4-FFF2-40B4-BE49-F238E27FC236}">
+                <a16:creationId xmlns:a16="http://schemas.microsoft.com/office/drawing/2014/main" id="{BBB2CAC1-1871-47DC-89F8-7C38236AB53C}"/>
+              </a:ext>
+            </a:extLst>
+          </p:cNvPr>
+          <p:cNvSpPr/>
+          <p:nvPr/>
+        </p:nvSpPr>
+        <p:spPr>
+          <a:xfrm>
+            <a:off x="2316886" y="5220929"/>
+            <a:ext cx="7558226" cy="1229032"/>
+          </a:xfrm>
+          <a:prstGeom prst="rect">
+            <a:avLst/>
+          </a:prstGeom>
+          <a:noFill/>
+          <a:ln>
+            <a:solidFill>
+              <a:srgbClr val="FF0000"/>
+            </a:solidFill>
+          </a:ln>
+        </p:spPr>
+        <p:style>
+          <a:lnRef idx="2">
+            <a:schemeClr val="accent1">
+              <a:shade val="50000"/>
+            </a:schemeClr>
+          </a:lnRef>
+          <a:fillRef idx="1">
+            <a:schemeClr val="accent1"/>
+          </a:fillRef>
+          <a:effectRef idx="0">
+            <a:schemeClr val="accent1"/>
+          </a:effectRef>
+          <a:fontRef idx="minor">
+            <a:schemeClr val="lt1"/>
+          </a:fontRef>
+        </p:style>
+        <p:txBody>
+          <a:bodyPr rtlCol="0" anchor="ctr"/>
+          <a:lstStyle/>
+          <a:p>
+            <a:pPr algn="ctr"/>
+            <a:endParaRPr lang="ko-KR" altLang="en-US"/>
+          </a:p>
+        </p:txBody>
+      </p:sp>
     </p:spTree>
     <p:extLst>
       <p:ext uri="{BB962C8B-B14F-4D97-AF65-F5344CB8AC3E}">
@@ -4325,14 +4578,14 @@
     <mc:Choice Requires="p14">
       <p:transition/>
     </mc:Choice>
-    <mc:Fallback xmlns:a14="http://schemas.microsoft.com/office/drawing/2010/main" xmlns:dsp="http://schemas.microsoft.com/office/drawing/2008/diagram" xmlns:dgm="http://schemas.openxmlformats.org/drawingml/2006/diagram" xmlns:c="http://schemas.openxmlformats.org/drawingml/2006/chart" xmlns="">
+    <mc:Fallback xmlns="" xmlns:c="http://schemas.openxmlformats.org/drawingml/2006/chart" xmlns:dgm="http://schemas.openxmlformats.org/drawingml/2006/diagram" xmlns:dsp="http://schemas.microsoft.com/office/drawing/2008/diagram" xmlns:a14="http://schemas.microsoft.com/office/drawing/2010/main">
       <p:transition/>
     </mc:Fallback>
   </mc:AlternateContent>
 </p:sld>
 </file>
 
-<file path=ppt/slides/slide11.xml><?xml version="1.0" encoding="utf-8"?>
+<file path=ppt/slides/slide12.xml><?xml version="1.0" encoding="utf-8"?>
 <p:sld xmlns:a="http://schemas.openxmlformats.org/drawingml/2006/main" xmlns:r="http://schemas.openxmlformats.org/officeDocument/2006/relationships" xmlns:p="http://schemas.openxmlformats.org/presentationml/2006/main">
   <p:cSld>
     <p:spTree>
@@ -4510,15 +4763,7 @@
             </a:r>
             <a:r>
               <a:rPr lang="ko-KR" altLang="en-US" dirty="0"/>
-              <a:t> 모델과는 다르게 학습을 </a:t>
-            </a:r>
-            <a:r>
-              <a:rPr lang="ko-KR" altLang="en-US" dirty="0" err="1"/>
-              <a:t>해야하는</a:t>
-            </a:r>
-            <a:r>
-              <a:rPr lang="ko-KR" altLang="en-US" dirty="0"/>
-              <a:t> 부분이 존재</a:t>
+              <a:t> 모델과는 다르게 학습이 필요한 부분이 존재</a:t>
             </a:r>
           </a:p>
           <a:p>
@@ -4557,11 +4802,11 @@
             </a:r>
             <a:r>
               <a:rPr lang="ko-KR" altLang="en-US" dirty="0" err="1"/>
-              <a:t>representatio</a:t>
+              <a:t>re</a:t>
             </a:r>
             <a:r>
               <a:rPr lang="en-US" altLang="ko-KR" dirty="0"/>
-              <a:t>n</a:t>
+              <a:t>presentation</a:t>
             </a:r>
             <a:r>
               <a:rPr lang="ko-KR" altLang="en-US" dirty="0"/>
@@ -4592,7 +4837,7 @@
     <mc:Choice Requires="p14">
       <p:transition/>
     </mc:Choice>
-    <mc:Fallback xmlns:dsp="http://schemas.microsoft.com/office/drawing/2008/diagram" xmlns:dgm="http://schemas.openxmlformats.org/drawingml/2006/diagram" xmlns:c="http://schemas.openxmlformats.org/drawingml/2006/chart" xmlns="">
+    <mc:Fallback xmlns="" xmlns:c="http://schemas.openxmlformats.org/drawingml/2006/chart" xmlns:dgm="http://schemas.openxmlformats.org/drawingml/2006/diagram" xmlns:dsp="http://schemas.microsoft.com/office/drawing/2008/diagram">
       <p:transition/>
     </mc:Fallback>
   </mc:AlternateContent>
@@ -4678,9 +4923,10 @@
               <a:defRPr/>
             </a:pPr>
             <a:r>
-              <a:rPr lang="en-US" altLang="ko-KR"/>
-              <a:t>Training phases</a:t>
-            </a:r>
+              <a:rPr lang="en-US" altLang="ko-KR" dirty="0" err="1"/>
+              <a:t>ReConPatch</a:t>
+            </a:r>
+            <a:endParaRPr lang="en-US" altLang="ko-KR" dirty="0"/>
           </a:p>
         </p:txBody>
       </p:sp>
@@ -4708,6 +4954,58 @@
           </a:prstGeom>
         </p:spPr>
       </p:pic>
+      <p:sp>
+        <p:nvSpPr>
+          <p:cNvPr id="4" name="직사각형 3">
+            <a:extLst>
+              <a:ext uri="{FF2B5EF4-FFF2-40B4-BE49-F238E27FC236}">
+                <a16:creationId xmlns:a16="http://schemas.microsoft.com/office/drawing/2014/main" id="{1270E73B-78B6-4231-B135-CE09308BFE41}"/>
+              </a:ext>
+            </a:extLst>
+          </p:cNvPr>
+          <p:cNvSpPr/>
+          <p:nvPr/>
+        </p:nvSpPr>
+        <p:spPr>
+          <a:xfrm>
+            <a:off x="4803058" y="2089355"/>
+            <a:ext cx="5004619" cy="2035277"/>
+          </a:xfrm>
+          <a:prstGeom prst="rect">
+            <a:avLst/>
+          </a:prstGeom>
+          <a:noFill/>
+          <a:ln>
+            <a:solidFill>
+              <a:srgbClr val="FF0000"/>
+            </a:solidFill>
+          </a:ln>
+        </p:spPr>
+        <p:style>
+          <a:lnRef idx="2">
+            <a:schemeClr val="accent1">
+              <a:shade val="50000"/>
+            </a:schemeClr>
+          </a:lnRef>
+          <a:fillRef idx="1">
+            <a:schemeClr val="accent1"/>
+          </a:fillRef>
+          <a:effectRef idx="0">
+            <a:schemeClr val="accent1"/>
+          </a:effectRef>
+          <a:fontRef idx="minor">
+            <a:schemeClr val="lt1"/>
+          </a:fontRef>
+        </p:style>
+        <p:txBody>
+          <a:bodyPr rtlCol="0" anchor="ctr"/>
+          <a:lstStyle/>
+          <a:p>
+            <a:pPr algn="ctr"/>
+            <a:endParaRPr lang="ko-KR" altLang="en-US"/>
+          </a:p>
+        </p:txBody>
+      </p:sp>
     </p:spTree>
     <p:extLst>
       <p:ext uri="{BB962C8B-B14F-4D97-AF65-F5344CB8AC3E}">
@@ -4722,7 +5020,7 @@
     <mc:Choice Requires="p14">
       <p:transition/>
     </mc:Choice>
-    <mc:Fallback xmlns:dsp="http://schemas.microsoft.com/office/drawing/2008/diagram" xmlns:dgm="http://schemas.openxmlformats.org/drawingml/2006/diagram" xmlns:c="http://schemas.openxmlformats.org/drawingml/2006/chart" xmlns="">
+    <mc:Fallback xmlns="" xmlns:c="http://schemas.openxmlformats.org/drawingml/2006/chart" xmlns:dgm="http://schemas.openxmlformats.org/drawingml/2006/diagram" xmlns:dsp="http://schemas.microsoft.com/office/drawing/2008/diagram">
       <p:transition/>
     </mc:Fallback>
   </mc:AlternateContent>
@@ -5052,8 +5350,8 @@
           </a:prstGeom>
         </p:spPr>
       </p:pic>
-      <mc:AlternateContent xmlns:mc="http://schemas.openxmlformats.org/markup-compatibility/2006">
-        <mc:Choice xmlns:a14="http://schemas.microsoft.com/office/drawing/2010/main" Requires="a14">
+      <mc:AlternateContent xmlns:mc="http://schemas.openxmlformats.org/markup-compatibility/2006" xmlns:a14="http://schemas.microsoft.com/office/drawing/2010/main">
+        <mc:Choice Requires="a14">
           <p:sp>
             <p:nvSpPr>
               <p:cNvPr id="13" name="자유형: 도형 12"/>
@@ -5116,42 +5414,49 @@
                     <m:oMath xmlns:m="http://schemas.openxmlformats.org/officeDocument/2006/math">
                       <m:r>
                         <a:rPr sz="1200" i="1">
+                          <a:latin typeface="Cambria Math" panose="02040503050406030204" pitchFamily="18" charset="0"/>
                           <a:sym typeface="Cambria Math"/>
                         </a:rPr>
                         <m:t>𝑃</m:t>
                       </m:r>
                       <m:r>
                         <a:rPr sz="1200" i="1">
+                          <a:latin typeface="Cambria Math" panose="02040503050406030204" pitchFamily="18" charset="0"/>
                           <a:sym typeface="Cambria Math"/>
                         </a:rPr>
                         <m:t> : </m:t>
                       </m:r>
                       <m:r>
                         <a:rPr sz="1200" i="1">
+                          <a:latin typeface="Cambria Math" panose="02040503050406030204" pitchFamily="18" charset="0"/>
                           <a:sym typeface="Cambria Math"/>
                         </a:rPr>
                         <m:t>𝑝𝑟𝑒𝑡𝑟𝑎𝑖𝑛𝑒𝑑</m:t>
                       </m:r>
                       <m:r>
                         <a:rPr sz="1200" i="1">
+                          <a:latin typeface="Cambria Math" panose="02040503050406030204" pitchFamily="18" charset="0"/>
                           <a:sym typeface="Cambria Math"/>
                         </a:rPr>
                         <m:t> </m:t>
                       </m:r>
                       <m:r>
                         <a:rPr sz="1200" i="1">
+                          <a:latin typeface="Cambria Math" panose="02040503050406030204" pitchFamily="18" charset="0"/>
                           <a:sym typeface="Cambria Math"/>
                         </a:rPr>
                         <m:t>𝐶𝑁𝑁</m:t>
                       </m:r>
                       <m:r>
                         <a:rPr sz="1200" i="1">
+                          <a:latin typeface="Cambria Math" panose="02040503050406030204" pitchFamily="18" charset="0"/>
                           <a:sym typeface="Cambria Math"/>
                         </a:rPr>
                         <m:t> </m:t>
                       </m:r>
                       <m:r>
                         <a:rPr sz="1200" i="1">
+                          <a:latin typeface="Cambria Math" panose="02040503050406030204" pitchFamily="18" charset="0"/>
                           <a:sym typeface="Cambria Math"/>
                         </a:rPr>
                         <m:t>아키텍쳐</m:t>
@@ -5174,6 +5479,7 @@
                           <m:chr m:val="̅"/>
                           <m:ctrlPr>
                             <a:rPr sz="1200" i="1">
+                              <a:latin typeface="Cambria Math" panose="02040503050406030204" pitchFamily="18" charset="0"/>
                               <a:sym typeface="Cambria Math"/>
                             </a:rPr>
                           </m:ctrlPr>
@@ -5183,6 +5489,7 @@
                             <m:sSubPr>
                               <m:ctrlPr>
                                 <a:rPr sz="1200" i="1">
+                                  <a:latin typeface="Cambria Math" panose="02040503050406030204" pitchFamily="18" charset="0"/>
                                   <a:sym typeface="Cambria Math"/>
                                 </a:rPr>
                               </m:ctrlPr>
@@ -5190,6 +5497,7 @@
                             <m:e>
                               <m:r>
                                 <a:rPr sz="1200" i="1">
+                                  <a:latin typeface="Cambria Math" panose="02040503050406030204" pitchFamily="18" charset="0"/>
                                   <a:sym typeface="Cambria Math"/>
                                 </a:rPr>
                                 <m:t>𝑝</m:t>
@@ -5198,6 +5506,7 @@
                             <m:sub>
                               <m:r>
                                 <a:rPr sz="1200" i="1">
+                                  <a:latin typeface="Cambria Math" panose="02040503050406030204" pitchFamily="18" charset="0"/>
                                   <a:sym typeface="Cambria Math"/>
                                 </a:rPr>
                                 <m:t>𝑖</m:t>
@@ -5206,6 +5515,7 @@
                           </m:sSub>
                           <m:r>
                             <a:rPr sz="1200" i="1">
+                              <a:latin typeface="Cambria Math" panose="02040503050406030204" pitchFamily="18" charset="0"/>
                               <a:sym typeface="Cambria Math"/>
                             </a:rPr>
                             <m:t> </m:t>
@@ -5214,144 +5524,168 @@
                       </m:acc>
                       <m:r>
                         <a:rPr sz="1200" i="1">
+                          <a:latin typeface="Cambria Math" panose="02040503050406030204" pitchFamily="18" charset="0"/>
                           <a:sym typeface="Cambria Math"/>
                         </a:rPr>
                         <m:t>: </m:t>
                       </m:r>
                       <m:r>
                         <a:rPr sz="1200" i="1">
+                          <a:latin typeface="Cambria Math" panose="02040503050406030204" pitchFamily="18" charset="0"/>
                           <a:sym typeface="Cambria Math"/>
                         </a:rPr>
                         <m:t>𝑃</m:t>
                       </m:r>
                       <m:r>
                         <a:rPr sz="1200" i="1">
+                          <a:latin typeface="Cambria Math" panose="02040503050406030204" pitchFamily="18" charset="0"/>
                           <a:sym typeface="Cambria Math"/>
                         </a:rPr>
                         <m:t>(</m:t>
                       </m:r>
                       <m:r>
                         <a:rPr sz="1200" i="1">
+                          <a:latin typeface="Cambria Math" panose="02040503050406030204" pitchFamily="18" charset="0"/>
                           <a:sym typeface="Cambria Math"/>
                         </a:rPr>
                         <m:t>𝑥</m:t>
                       </m:r>
                       <m:r>
                         <a:rPr sz="1200" i="1">
+                          <a:latin typeface="Cambria Math" panose="02040503050406030204" pitchFamily="18" charset="0"/>
                           <a:sym typeface="Cambria Math"/>
                         </a:rPr>
                         <m:t>,</m:t>
                       </m:r>
                       <m:r>
                         <a:rPr sz="1200" i="1">
+                          <a:latin typeface="Cambria Math" panose="02040503050406030204" pitchFamily="18" charset="0"/>
                           <a:sym typeface="Cambria Math"/>
                         </a:rPr>
                         <m:t>h</m:t>
                       </m:r>
                       <m:r>
                         <a:rPr sz="1200" i="1">
+                          <a:latin typeface="Cambria Math" panose="02040503050406030204" pitchFamily="18" charset="0"/>
                           <a:sym typeface="Cambria Math"/>
                         </a:rPr>
                         <m:t>,</m:t>
                       </m:r>
                       <m:r>
                         <a:rPr sz="1200" i="1">
+                          <a:latin typeface="Cambria Math" panose="02040503050406030204" pitchFamily="18" charset="0"/>
                           <a:sym typeface="Cambria Math"/>
                         </a:rPr>
                         <m:t>𝑤</m:t>
                       </m:r>
                       <m:r>
                         <a:rPr sz="1200" i="1">
+                          <a:latin typeface="Cambria Math" panose="02040503050406030204" pitchFamily="18" charset="0"/>
                           <a:sym typeface="Cambria Math"/>
                         </a:rPr>
                         <m:t>)</m:t>
                       </m:r>
                       <m:r>
                         <a:rPr sz="1200" i="1">
+                          <a:latin typeface="Cambria Math" panose="02040503050406030204" pitchFamily="18" charset="0"/>
                           <a:sym typeface="Cambria Math"/>
                         </a:rPr>
                         <m:t>를</m:t>
                       </m:r>
                       <m:r>
                         <a:rPr sz="1200" i="1">
+                          <a:latin typeface="Cambria Math" panose="02040503050406030204" pitchFamily="18" charset="0"/>
                           <a:sym typeface="Cambria Math"/>
                         </a:rPr>
                         <m:t> </m:t>
                       </m:r>
                       <m:r>
                         <a:rPr sz="1200" i="1">
+                          <a:latin typeface="Cambria Math" panose="02040503050406030204" pitchFamily="18" charset="0"/>
                           <a:sym typeface="Cambria Math"/>
                         </a:rPr>
                         <m:t>통과시켜서</m:t>
                       </m:r>
                       <m:r>
                         <a:rPr sz="1200" i="1">
+                          <a:latin typeface="Cambria Math" panose="02040503050406030204" pitchFamily="18" charset="0"/>
                           <a:sym typeface="Cambria Math"/>
                         </a:rPr>
                         <m:t> </m:t>
                       </m:r>
                       <m:r>
                         <a:rPr sz="1200" i="1">
+                          <a:latin typeface="Cambria Math" panose="02040503050406030204" pitchFamily="18" charset="0"/>
                           <a:sym typeface="Cambria Math"/>
                         </a:rPr>
                         <m:t>얻어진</m:t>
                       </m:r>
                       <m:r>
                         <a:rPr sz="1200" i="1">
+                          <a:latin typeface="Cambria Math" panose="02040503050406030204" pitchFamily="18" charset="0"/>
                           <a:sym typeface="Cambria Math"/>
                         </a:rPr>
                         <m:t> </m:t>
                       </m:r>
                       <m:r>
                         <a:rPr sz="1200" i="1">
+                          <a:latin typeface="Cambria Math" panose="02040503050406030204" pitchFamily="18" charset="0"/>
                           <a:sym typeface="Cambria Math"/>
                         </a:rPr>
                         <m:t>𝑖</m:t>
                       </m:r>
                       <m:r>
                         <a:rPr sz="1200" i="1">
+                          <a:latin typeface="Cambria Math" panose="02040503050406030204" pitchFamily="18" charset="0"/>
                           <a:sym typeface="Cambria Math"/>
                         </a:rPr>
                         <m:t>번째</m:t>
                       </m:r>
                       <m:r>
                         <a:rPr sz="1200" i="1">
+                          <a:latin typeface="Cambria Math" panose="02040503050406030204" pitchFamily="18" charset="0"/>
                           <a:sym typeface="Cambria Math"/>
                         </a:rPr>
                         <m:t> </m:t>
                       </m:r>
                       <m:r>
                         <a:rPr sz="1200" i="1">
+                          <a:latin typeface="Cambria Math" panose="02040503050406030204" pitchFamily="18" charset="0"/>
                           <a:sym typeface="Cambria Math"/>
                         </a:rPr>
                         <m:t>𝑝𝑎𝑡𝑐</m:t>
                       </m:r>
                       <m:r>
                         <a:rPr sz="1200" i="1">
+                          <a:latin typeface="Cambria Math" panose="02040503050406030204" pitchFamily="18" charset="0"/>
                           <a:sym typeface="Cambria Math"/>
                         </a:rPr>
                         <m:t>h</m:t>
                       </m:r>
                       <m:r>
                         <a:rPr sz="1200" i="1">
+                          <a:latin typeface="Cambria Math" panose="02040503050406030204" pitchFamily="18" charset="0"/>
                           <a:sym typeface="Cambria Math"/>
                         </a:rPr>
                         <m:t> </m:t>
                       </m:r>
                       <m:r>
                         <a:rPr sz="1200" i="1">
+                          <a:latin typeface="Cambria Math" panose="02040503050406030204" pitchFamily="18" charset="0"/>
                           <a:sym typeface="Cambria Math"/>
                         </a:rPr>
                         <m:t>레벨</m:t>
                       </m:r>
                       <m:r>
                         <a:rPr sz="1200" i="1">
+                          <a:latin typeface="Cambria Math" panose="02040503050406030204" pitchFamily="18" charset="0"/>
                           <a:sym typeface="Cambria Math"/>
                         </a:rPr>
                         <m:t> </m:t>
                       </m:r>
                       <m:r>
                         <a:rPr sz="1200" i="1">
+                          <a:latin typeface="Cambria Math" panose="02040503050406030204" pitchFamily="18" charset="0"/>
                           <a:sym typeface="Cambria Math"/>
                         </a:rPr>
                         <m:t>𝑓𝑒𝑎𝑡𝑢𝑟𝑒</m:t>
@@ -5374,6 +5708,7 @@
                           <m:chr m:val="̅"/>
                           <m:ctrlPr>
                             <a:rPr sz="1200" i="1">
+                              <a:latin typeface="Cambria Math" panose="02040503050406030204" pitchFamily="18" charset="0"/>
                               <a:sym typeface="Cambria Math"/>
                             </a:rPr>
                           </m:ctrlPr>
@@ -5383,6 +5718,7 @@
                             <m:sSubPr>
                               <m:ctrlPr>
                                 <a:rPr sz="1200" i="1">
+                                  <a:latin typeface="Cambria Math" panose="02040503050406030204" pitchFamily="18" charset="0"/>
                                   <a:sym typeface="Cambria Math"/>
                                 </a:rPr>
                               </m:ctrlPr>
@@ -5390,6 +5726,7 @@
                             <m:e>
                               <m:r>
                                 <a:rPr sz="1200" i="1">
+                                  <a:latin typeface="Cambria Math" panose="02040503050406030204" pitchFamily="18" charset="0"/>
                                   <a:sym typeface="Cambria Math"/>
                                 </a:rPr>
                                 <m:t>𝑝</m:t>
@@ -5398,6 +5735,7 @@
                             <m:sub>
                               <m:r>
                                 <a:rPr sz="1200" i="1">
+                                  <a:latin typeface="Cambria Math" panose="02040503050406030204" pitchFamily="18" charset="0"/>
                                   <a:sym typeface="Cambria Math"/>
                                 </a:rPr>
                                 <m:t>𝑗</m:t>
@@ -5406,6 +5744,7 @@
                           </m:sSub>
                           <m:r>
                             <a:rPr sz="1200" i="1">
+                              <a:latin typeface="Cambria Math" panose="02040503050406030204" pitchFamily="18" charset="0"/>
                               <a:sym typeface="Cambria Math"/>
                             </a:rPr>
                             <m:t> </m:t>
@@ -5414,144 +5753,168 @@
                       </m:acc>
                       <m:r>
                         <a:rPr sz="1200" i="1">
+                          <a:latin typeface="Cambria Math" panose="02040503050406030204" pitchFamily="18" charset="0"/>
                           <a:sym typeface="Cambria Math"/>
                         </a:rPr>
                         <m:t>: </m:t>
                       </m:r>
                       <m:r>
                         <a:rPr sz="1200" i="1">
+                          <a:latin typeface="Cambria Math" panose="02040503050406030204" pitchFamily="18" charset="0"/>
                           <a:sym typeface="Cambria Math"/>
                         </a:rPr>
                         <m:t>𝑃</m:t>
                       </m:r>
                       <m:r>
                         <a:rPr sz="1200" i="1">
+                          <a:latin typeface="Cambria Math" panose="02040503050406030204" pitchFamily="18" charset="0"/>
                           <a:sym typeface="Cambria Math"/>
                         </a:rPr>
                         <m:t>(</m:t>
                       </m:r>
                       <m:r>
                         <a:rPr sz="1200" i="1">
+                          <a:latin typeface="Cambria Math" panose="02040503050406030204" pitchFamily="18" charset="0"/>
                           <a:sym typeface="Cambria Math"/>
                         </a:rPr>
                         <m:t>𝑥</m:t>
                       </m:r>
                       <m:r>
                         <a:rPr sz="1200" i="1">
+                          <a:latin typeface="Cambria Math" panose="02040503050406030204" pitchFamily="18" charset="0"/>
                           <a:sym typeface="Cambria Math"/>
                         </a:rPr>
                         <m:t>,</m:t>
                       </m:r>
                       <m:r>
                         <a:rPr sz="1200" i="1">
+                          <a:latin typeface="Cambria Math" panose="02040503050406030204" pitchFamily="18" charset="0"/>
                           <a:sym typeface="Cambria Math"/>
                         </a:rPr>
                         <m:t>h</m:t>
                       </m:r>
                       <m:r>
                         <a:rPr sz="1200" i="1">
+                          <a:latin typeface="Cambria Math" panose="02040503050406030204" pitchFamily="18" charset="0"/>
                           <a:sym typeface="Cambria Math"/>
                         </a:rPr>
                         <m:t>,</m:t>
                       </m:r>
                       <m:r>
                         <a:rPr sz="1200" i="1">
+                          <a:latin typeface="Cambria Math" panose="02040503050406030204" pitchFamily="18" charset="0"/>
                           <a:sym typeface="Cambria Math"/>
                         </a:rPr>
                         <m:t>𝑤</m:t>
                       </m:r>
                       <m:r>
                         <a:rPr sz="1200" i="1">
+                          <a:latin typeface="Cambria Math" panose="02040503050406030204" pitchFamily="18" charset="0"/>
                           <a:sym typeface="Cambria Math"/>
                         </a:rPr>
                         <m:t>)</m:t>
                       </m:r>
                       <m:r>
                         <a:rPr sz="1200" i="1">
+                          <a:latin typeface="Cambria Math" panose="02040503050406030204" pitchFamily="18" charset="0"/>
                           <a:sym typeface="Cambria Math"/>
                         </a:rPr>
                         <m:t>를</m:t>
                       </m:r>
                       <m:r>
                         <a:rPr sz="1200" i="1">
+                          <a:latin typeface="Cambria Math" panose="02040503050406030204" pitchFamily="18" charset="0"/>
                           <a:sym typeface="Cambria Math"/>
                         </a:rPr>
                         <m:t> </m:t>
                       </m:r>
                       <m:r>
                         <a:rPr sz="1200" i="1">
+                          <a:latin typeface="Cambria Math" panose="02040503050406030204" pitchFamily="18" charset="0"/>
                           <a:sym typeface="Cambria Math"/>
                         </a:rPr>
                         <m:t>통과시켜서</m:t>
                       </m:r>
                       <m:r>
                         <a:rPr sz="1200" i="1">
+                          <a:latin typeface="Cambria Math" panose="02040503050406030204" pitchFamily="18" charset="0"/>
                           <a:sym typeface="Cambria Math"/>
                         </a:rPr>
                         <m:t> </m:t>
                       </m:r>
                       <m:r>
                         <a:rPr sz="1200" i="1">
+                          <a:latin typeface="Cambria Math" panose="02040503050406030204" pitchFamily="18" charset="0"/>
                           <a:sym typeface="Cambria Math"/>
                         </a:rPr>
                         <m:t>얻어진</m:t>
                       </m:r>
                       <m:r>
                         <a:rPr sz="1200" i="1">
+                          <a:latin typeface="Cambria Math" panose="02040503050406030204" pitchFamily="18" charset="0"/>
                           <a:sym typeface="Cambria Math"/>
                         </a:rPr>
                         <m:t> </m:t>
                       </m:r>
                       <m:r>
                         <a:rPr sz="1200" i="1">
+                          <a:latin typeface="Cambria Math" panose="02040503050406030204" pitchFamily="18" charset="0"/>
                           <a:sym typeface="Cambria Math"/>
                         </a:rPr>
                         <m:t>𝑗</m:t>
                       </m:r>
                       <m:r>
                         <a:rPr sz="1200" i="1">
+                          <a:latin typeface="Cambria Math" panose="02040503050406030204" pitchFamily="18" charset="0"/>
                           <a:sym typeface="Cambria Math"/>
                         </a:rPr>
                         <m:t>번째</m:t>
                       </m:r>
                       <m:r>
                         <a:rPr sz="1200" i="1">
+                          <a:latin typeface="Cambria Math" panose="02040503050406030204" pitchFamily="18" charset="0"/>
                           <a:sym typeface="Cambria Math"/>
                         </a:rPr>
                         <m:t> </m:t>
                       </m:r>
                       <m:r>
                         <a:rPr sz="1200" i="1">
+                          <a:latin typeface="Cambria Math" panose="02040503050406030204" pitchFamily="18" charset="0"/>
                           <a:sym typeface="Cambria Math"/>
                         </a:rPr>
                         <m:t>𝑝𝑎𝑡𝑐</m:t>
                       </m:r>
                       <m:r>
                         <a:rPr sz="1200" i="1">
+                          <a:latin typeface="Cambria Math" panose="02040503050406030204" pitchFamily="18" charset="0"/>
                           <a:sym typeface="Cambria Math"/>
                         </a:rPr>
                         <m:t>h</m:t>
                       </m:r>
                       <m:r>
                         <a:rPr sz="1200" i="1">
+                          <a:latin typeface="Cambria Math" panose="02040503050406030204" pitchFamily="18" charset="0"/>
                           <a:sym typeface="Cambria Math"/>
                         </a:rPr>
                         <m:t> </m:t>
                       </m:r>
                       <m:r>
                         <a:rPr sz="1200" i="1">
+                          <a:latin typeface="Cambria Math" panose="02040503050406030204" pitchFamily="18" charset="0"/>
                           <a:sym typeface="Cambria Math"/>
                         </a:rPr>
                         <m:t>레벨</m:t>
                       </m:r>
                       <m:r>
                         <a:rPr sz="1200" i="1">
+                          <a:latin typeface="Cambria Math" panose="02040503050406030204" pitchFamily="18" charset="0"/>
                           <a:sym typeface="Cambria Math"/>
                         </a:rPr>
                         <m:t> </m:t>
                       </m:r>
                       <m:r>
                         <a:rPr sz="1200" i="1">
+                          <a:latin typeface="Cambria Math" panose="02040503050406030204" pitchFamily="18" charset="0"/>
                           <a:sym typeface="Cambria Math"/>
                         </a:rPr>
                         <m:t>𝑓𝑒𝑎𝑡𝑢𝑟𝑒</m:t>
@@ -5574,6 +5937,7 @@
                           <m:chr m:val="̅"/>
                           <m:ctrlPr>
                             <a:rPr sz="1200" i="1">
+                              <a:latin typeface="Cambria Math" panose="02040503050406030204" pitchFamily="18" charset="0"/>
                               <a:sym typeface="Cambria Math"/>
                             </a:rPr>
                           </m:ctrlPr>
@@ -5583,6 +5947,7 @@
                             <m:sSubPr>
                               <m:ctrlPr>
                                 <a:rPr sz="1200" i="1">
+                                  <a:latin typeface="Cambria Math" panose="02040503050406030204" pitchFamily="18" charset="0"/>
                                   <a:sym typeface="Cambria Math"/>
                                 </a:rPr>
                               </m:ctrlPr>
@@ -5590,6 +5955,7 @@
                             <m:e>
                               <m:r>
                                 <a:rPr sz="1200" i="1">
+                                  <a:latin typeface="Cambria Math" panose="02040503050406030204" pitchFamily="18" charset="0"/>
                                   <a:sym typeface="Cambria Math"/>
                                 </a:rPr>
                                 <m:t>𝑧</m:t>
@@ -5598,6 +5964,7 @@
                             <m:sub>
                               <m:r>
                                 <a:rPr sz="1200" i="1">
+                                  <a:latin typeface="Cambria Math" panose="02040503050406030204" pitchFamily="18" charset="0"/>
                                   <a:sym typeface="Cambria Math"/>
                                 </a:rPr>
                                 <m:t>𝑖</m:t>
@@ -5606,6 +5973,7 @@
                           </m:sSub>
                           <m:r>
                             <a:rPr sz="1200" i="1">
+                              <a:latin typeface="Cambria Math" panose="02040503050406030204" pitchFamily="18" charset="0"/>
                               <a:sym typeface="Cambria Math"/>
                             </a:rPr>
                             <m:t> </m:t>
@@ -5614,6 +5982,7 @@
                       </m:acc>
                       <m:r>
                         <a:rPr sz="1200" i="1">
+                          <a:latin typeface="Cambria Math" panose="02040503050406030204" pitchFamily="18" charset="0"/>
                           <a:sym typeface="Cambria Math"/>
                         </a:rPr>
                         <m:t>: </m:t>
@@ -5622,6 +5991,7 @@
                         <m:sSubPr>
                           <m:ctrlPr>
                             <a:rPr sz="1200" i="1">
+                              <a:latin typeface="Cambria Math" panose="02040503050406030204" pitchFamily="18" charset="0"/>
                               <a:sym typeface="Cambria Math"/>
                             </a:rPr>
                           </m:ctrlPr>
@@ -5629,6 +5999,7 @@
                         <m:e>
                           <m:r>
                             <a:rPr sz="1200" i="1">
+                              <a:latin typeface="Cambria Math" panose="02040503050406030204" pitchFamily="18" charset="0"/>
                               <a:sym typeface="Cambria Math"/>
                             </a:rPr>
                             <m:t>𝑝</m:t>
@@ -5637,6 +6008,7 @@
                         <m:sub>
                           <m:r>
                             <a:rPr sz="1200" i="1">
+                              <a:latin typeface="Cambria Math" panose="02040503050406030204" pitchFamily="18" charset="0"/>
                               <a:sym typeface="Cambria Math"/>
                             </a:rPr>
                             <m:t>𝑖</m:t>
@@ -5645,60 +6017,70 @@
                       </m:sSub>
                       <m:r>
                         <a:rPr sz="1200" i="1">
+                          <a:latin typeface="Cambria Math" panose="02040503050406030204" pitchFamily="18" charset="0"/>
                           <a:sym typeface="Cambria Math"/>
                         </a:rPr>
                         <m:t> </m:t>
                       </m:r>
                       <m:r>
                         <a:rPr sz="1200" i="1">
+                          <a:latin typeface="Cambria Math" panose="02040503050406030204" pitchFamily="18" charset="0"/>
                           <a:sym typeface="Cambria Math"/>
                         </a:rPr>
                         <m:t>를</m:t>
                       </m:r>
                       <m:r>
                         <a:rPr sz="1200" i="1">
+                          <a:latin typeface="Cambria Math" panose="02040503050406030204" pitchFamily="18" charset="0"/>
                           <a:sym typeface="Cambria Math"/>
                         </a:rPr>
                         <m:t> </m:t>
                       </m:r>
                       <m:r>
                         <a:rPr sz="1200" i="1">
+                          <a:latin typeface="Cambria Math" panose="02040503050406030204" pitchFamily="18" charset="0"/>
                           <a:sym typeface="Cambria Math"/>
                         </a:rPr>
                         <m:t>레이어에</m:t>
                       </m:r>
                       <m:r>
                         <a:rPr sz="1200" i="1">
+                          <a:latin typeface="Cambria Math" panose="02040503050406030204" pitchFamily="18" charset="0"/>
                           <a:sym typeface="Cambria Math"/>
                         </a:rPr>
                         <m:t> </m:t>
                       </m:r>
                       <m:r>
                         <a:rPr sz="1200" i="1">
+                          <a:latin typeface="Cambria Math" panose="02040503050406030204" pitchFamily="18" charset="0"/>
                           <a:sym typeface="Cambria Math"/>
                         </a:rPr>
                         <m:t>통과시켜서</m:t>
                       </m:r>
                       <m:r>
                         <a:rPr sz="1200" i="1">
+                          <a:latin typeface="Cambria Math" panose="02040503050406030204" pitchFamily="18" charset="0"/>
                           <a:sym typeface="Cambria Math"/>
                         </a:rPr>
                         <m:t> </m:t>
                       </m:r>
                       <m:r>
                         <a:rPr sz="1200" i="1">
+                          <a:latin typeface="Cambria Math" panose="02040503050406030204" pitchFamily="18" charset="0"/>
                           <a:sym typeface="Cambria Math"/>
                         </a:rPr>
                         <m:t>얻어진</m:t>
                       </m:r>
                       <m:r>
                         <a:rPr sz="1200" i="1">
+                          <a:latin typeface="Cambria Math" panose="02040503050406030204" pitchFamily="18" charset="0"/>
                           <a:sym typeface="Cambria Math"/>
                         </a:rPr>
                         <m:t> </m:t>
                       </m:r>
                       <m:r>
                         <a:rPr sz="1200" i="1">
+                          <a:latin typeface="Cambria Math" panose="02040503050406030204" pitchFamily="18" charset="0"/>
                           <a:sym typeface="Cambria Math"/>
                         </a:rPr>
                         <m:t>𝑓𝑒𝑎𝑡𝑢𝑟𝑒</m:t>
@@ -5721,6 +6103,7 @@
                           <m:chr m:val="̅"/>
                           <m:ctrlPr>
                             <a:rPr sz="1200" i="1">
+                              <a:latin typeface="Cambria Math" panose="02040503050406030204" pitchFamily="18" charset="0"/>
                               <a:sym typeface="Cambria Math"/>
                             </a:rPr>
                           </m:ctrlPr>
@@ -5730,6 +6113,7 @@
                             <m:sSubPr>
                               <m:ctrlPr>
                                 <a:rPr sz="1200" i="1">
+                                  <a:latin typeface="Cambria Math" panose="02040503050406030204" pitchFamily="18" charset="0"/>
                                   <a:sym typeface="Cambria Math"/>
                                 </a:rPr>
                               </m:ctrlPr>
@@ -5737,6 +6121,7 @@
                             <m:e>
                               <m:r>
                                 <a:rPr sz="1200" i="1">
+                                  <a:latin typeface="Cambria Math" panose="02040503050406030204" pitchFamily="18" charset="0"/>
                                   <a:sym typeface="Cambria Math"/>
                                 </a:rPr>
                                 <m:t>𝑧</m:t>
@@ -5745,6 +6130,7 @@
                             <m:sub>
                               <m:r>
                                 <a:rPr sz="1200" i="1">
+                                  <a:latin typeface="Cambria Math" panose="02040503050406030204" pitchFamily="18" charset="0"/>
                                   <a:sym typeface="Cambria Math"/>
                                 </a:rPr>
                                 <m:t>𝑗</m:t>
@@ -5755,6 +6141,7 @@
                       </m:acc>
                       <m:r>
                         <a:rPr sz="1200" i="1">
+                          <a:latin typeface="Cambria Math" panose="02040503050406030204" pitchFamily="18" charset="0"/>
                           <a:sym typeface="Cambria Math"/>
                         </a:rPr>
                         <m:t> : </m:t>
@@ -5763,6 +6150,7 @@
                         <m:sSubPr>
                           <m:ctrlPr>
                             <a:rPr sz="1200" i="1">
+                              <a:latin typeface="Cambria Math" panose="02040503050406030204" pitchFamily="18" charset="0"/>
                               <a:sym typeface="Cambria Math"/>
                             </a:rPr>
                           </m:ctrlPr>
@@ -5770,6 +6158,7 @@
                         <m:e>
                           <m:r>
                             <a:rPr sz="1200" i="1">
+                              <a:latin typeface="Cambria Math" panose="02040503050406030204" pitchFamily="18" charset="0"/>
                               <a:sym typeface="Cambria Math"/>
                             </a:rPr>
                             <m:t>𝑝</m:t>
@@ -5778,6 +6167,7 @@
                         <m:sub>
                           <m:r>
                             <a:rPr sz="1200" i="1">
+                              <a:latin typeface="Cambria Math" panose="02040503050406030204" pitchFamily="18" charset="0"/>
                               <a:sym typeface="Cambria Math"/>
                             </a:rPr>
                             <m:t>𝑗</m:t>
@@ -5786,60 +6176,70 @@
                       </m:sSub>
                       <m:r>
                         <a:rPr sz="1200" i="1">
+                          <a:latin typeface="Cambria Math" panose="02040503050406030204" pitchFamily="18" charset="0"/>
                           <a:sym typeface="Cambria Math"/>
                         </a:rPr>
                         <m:t> </m:t>
                       </m:r>
                       <m:r>
                         <a:rPr sz="1200" i="1">
+                          <a:latin typeface="Cambria Math" panose="02040503050406030204" pitchFamily="18" charset="0"/>
                           <a:sym typeface="Cambria Math"/>
                         </a:rPr>
                         <m:t>를</m:t>
                       </m:r>
                       <m:r>
                         <a:rPr sz="1200" i="1">
+                          <a:latin typeface="Cambria Math" panose="02040503050406030204" pitchFamily="18" charset="0"/>
                           <a:sym typeface="Cambria Math"/>
                         </a:rPr>
                         <m:t> </m:t>
                       </m:r>
                       <m:r>
                         <a:rPr sz="1200" i="1">
+                          <a:latin typeface="Cambria Math" panose="02040503050406030204" pitchFamily="18" charset="0"/>
                           <a:sym typeface="Cambria Math"/>
                         </a:rPr>
                         <m:t>레이어에</m:t>
                       </m:r>
                       <m:r>
                         <a:rPr sz="1200" i="1">
+                          <a:latin typeface="Cambria Math" panose="02040503050406030204" pitchFamily="18" charset="0"/>
                           <a:sym typeface="Cambria Math"/>
                         </a:rPr>
                         <m:t> </m:t>
                       </m:r>
                       <m:r>
                         <a:rPr sz="1200" i="1">
+                          <a:latin typeface="Cambria Math" panose="02040503050406030204" pitchFamily="18" charset="0"/>
                           <a:sym typeface="Cambria Math"/>
                         </a:rPr>
                         <m:t>통과시켜서</m:t>
                       </m:r>
                       <m:r>
                         <a:rPr sz="1200" i="1">
+                          <a:latin typeface="Cambria Math" panose="02040503050406030204" pitchFamily="18" charset="0"/>
                           <a:sym typeface="Cambria Math"/>
                         </a:rPr>
                         <m:t> </m:t>
                       </m:r>
                       <m:r>
                         <a:rPr sz="1200" i="1">
+                          <a:latin typeface="Cambria Math" panose="02040503050406030204" pitchFamily="18" charset="0"/>
                           <a:sym typeface="Cambria Math"/>
                         </a:rPr>
                         <m:t>얻어진</m:t>
                       </m:r>
                       <m:r>
                         <a:rPr sz="1200" i="1">
+                          <a:latin typeface="Cambria Math" panose="02040503050406030204" pitchFamily="18" charset="0"/>
                           <a:sym typeface="Cambria Math"/>
                         </a:rPr>
                         <m:t> </m:t>
                       </m:r>
                       <m:r>
                         <a:rPr sz="1200" i="1">
+                          <a:latin typeface="Cambria Math" panose="02040503050406030204" pitchFamily="18" charset="0"/>
                           <a:sym typeface="Cambria Math"/>
                         </a:rPr>
                         <m:t>𝑓𝑒𝑎𝑡𝑢𝑟𝑒</m:t>
@@ -5859,66 +6259,77 @@
                     <m:oMath xmlns:m="http://schemas.openxmlformats.org/officeDocument/2006/math">
                       <m:r>
                         <a:rPr sz="1200" i="1">
+                          <a:latin typeface="Cambria Math" panose="02040503050406030204" pitchFamily="18" charset="0"/>
                           <a:sym typeface="Cambria Math"/>
                         </a:rPr>
                         <m:t>𝜎</m:t>
                       </m:r>
                       <m:r>
                         <a:rPr sz="1200" i="1">
+                          <a:latin typeface="Cambria Math" panose="02040503050406030204" pitchFamily="18" charset="0"/>
                           <a:sym typeface="Cambria Math"/>
                         </a:rPr>
                         <m:t> : </m:t>
                       </m:r>
                       <m:r>
                         <a:rPr sz="1200" i="1">
+                          <a:latin typeface="Cambria Math" panose="02040503050406030204" pitchFamily="18" charset="0"/>
                           <a:sym typeface="Cambria Math"/>
                         </a:rPr>
                         <m:t>가우시안</m:t>
                       </m:r>
                       <m:r>
                         <a:rPr sz="1200" i="1">
+                          <a:latin typeface="Cambria Math" panose="02040503050406030204" pitchFamily="18" charset="0"/>
                           <a:sym typeface="Cambria Math"/>
                         </a:rPr>
                         <m:t> </m:t>
                       </m:r>
                       <m:r>
                         <a:rPr sz="1200" i="1">
+                          <a:latin typeface="Cambria Math" panose="02040503050406030204" pitchFamily="18" charset="0"/>
                           <a:sym typeface="Cambria Math"/>
                         </a:rPr>
                         <m:t>커널의</m:t>
                       </m:r>
                       <m:r>
                         <a:rPr sz="1200" i="1">
+                          <a:latin typeface="Cambria Math" panose="02040503050406030204" pitchFamily="18" charset="0"/>
                           <a:sym typeface="Cambria Math"/>
                         </a:rPr>
                         <m:t> </m:t>
                       </m:r>
                       <m:r>
                         <a:rPr sz="1200" i="1">
+                          <a:latin typeface="Cambria Math" panose="02040503050406030204" pitchFamily="18" charset="0"/>
                           <a:sym typeface="Cambria Math"/>
                         </a:rPr>
                         <m:t>민감도를</m:t>
                       </m:r>
                       <m:r>
                         <a:rPr sz="1200" i="1">
+                          <a:latin typeface="Cambria Math" panose="02040503050406030204" pitchFamily="18" charset="0"/>
                           <a:sym typeface="Cambria Math"/>
                         </a:rPr>
                         <m:t> </m:t>
                       </m:r>
                       <m:r>
                         <a:rPr sz="1200" i="1">
+                          <a:latin typeface="Cambria Math" panose="02040503050406030204" pitchFamily="18" charset="0"/>
                           <a:sym typeface="Cambria Math"/>
                         </a:rPr>
                         <m:t>조절하는데</m:t>
                       </m:r>
                       <m:r>
                         <a:rPr sz="1200" i="1">
+                          <a:latin typeface="Cambria Math" panose="02040503050406030204" pitchFamily="18" charset="0"/>
                           <a:sym typeface="Cambria Math"/>
                         </a:rPr>
                         <m:t> </m:t>
                       </m:r>
                       <m:r>
                         <a:rPr sz="1200" i="1">
+                          <a:latin typeface="Cambria Math" panose="02040503050406030204" pitchFamily="18" charset="0"/>
                           <a:sym typeface="Cambria Math"/>
                         </a:rPr>
                         <m:t>사용</m:t>
@@ -5931,7 +6342,7 @@
             </p:txBody>
           </p:sp>
         </mc:Choice>
-        <mc:Fallback>
+        <mc:Fallback xmlns="">
           <p:sp>
             <p:nvSpPr>
               <p:cNvPr id="13" name="자유형: 도형 12"/>
@@ -6018,7 +6429,7 @@
     <mc:Choice Requires="p14">
       <p:transition/>
     </mc:Choice>
-    <mc:Fallback xmlns:a14="http://schemas.microsoft.com/office/drawing/2010/main" xmlns:dsp="http://schemas.microsoft.com/office/drawing/2008/diagram" xmlns:dgm="http://schemas.openxmlformats.org/drawingml/2006/diagram" xmlns:c="http://schemas.openxmlformats.org/drawingml/2006/chart" xmlns="">
+    <mc:Fallback xmlns="" xmlns:c="http://schemas.openxmlformats.org/drawingml/2006/chart" xmlns:dgm="http://schemas.openxmlformats.org/drawingml/2006/diagram" xmlns:dsp="http://schemas.microsoft.com/office/drawing/2008/diagram" xmlns:a14="http://schemas.microsoft.com/office/drawing/2010/main">
       <p:transition/>
     </mc:Fallback>
   </mc:AlternateContent>
@@ -6382,7 +6793,7 @@
     <mc:Choice Requires="p14">
       <p:transition/>
     </mc:Choice>
-    <mc:Fallback xmlns:a14="http://schemas.microsoft.com/office/drawing/2010/main" xmlns:dsp="http://schemas.microsoft.com/office/drawing/2008/diagram" xmlns:dgm="http://schemas.openxmlformats.org/drawingml/2006/diagram" xmlns:c="http://schemas.openxmlformats.org/drawingml/2006/chart" xmlns="">
+    <mc:Fallback xmlns="" xmlns:c="http://schemas.openxmlformats.org/drawingml/2006/chart" xmlns:dgm="http://schemas.openxmlformats.org/drawingml/2006/diagram" xmlns:dsp="http://schemas.microsoft.com/office/drawing/2008/diagram" xmlns:a14="http://schemas.microsoft.com/office/drawing/2010/main">
       <p:transition/>
     </mc:Fallback>
   </mc:AlternateContent>
@@ -6518,8 +6929,8 @@
           </a:p>
         </p:txBody>
       </p:sp>
-      <mc:AlternateContent xmlns:mc="http://schemas.openxmlformats.org/markup-compatibility/2006">
-        <mc:Choice xmlns:a14="http://schemas.microsoft.com/office/drawing/2010/main" Requires="a14">
+      <mc:AlternateContent xmlns:mc="http://schemas.openxmlformats.org/markup-compatibility/2006" xmlns:a14="http://schemas.microsoft.com/office/drawing/2010/main">
+        <mc:Choice Requires="a14">
           <p:sp>
             <p:nvSpPr>
               <p:cNvPr id="13" name="자유형: 도형 12"/>
@@ -6584,6 +6995,7 @@
                         <m:sSubPr>
                           <m:ctrlPr>
                             <a:rPr sz="1200" i="1" smtClean="0">
+                              <a:latin typeface="Cambria Math" panose="02040503050406030204" pitchFamily="18" charset="0"/>
                               <a:sym typeface="Cambria Math"/>
                             </a:rPr>
                           </m:ctrlPr>
@@ -6591,6 +7003,7 @@
                         <m:e>
                           <m:r>
                             <a:rPr sz="1200" i="1">
+                              <a:latin typeface="Cambria Math" panose="02040503050406030204" pitchFamily="18" charset="0"/>
                               <a:sym typeface="Cambria Math"/>
                             </a:rPr>
                             <m:t>𝑁</m:t>
@@ -6599,6 +7012,7 @@
                         <m:sub>
                           <m:r>
                             <a:rPr sz="1200" i="1">
+                              <a:latin typeface="Cambria Math" panose="02040503050406030204" pitchFamily="18" charset="0"/>
                               <a:sym typeface="Cambria Math"/>
                             </a:rPr>
                             <m:t>𝑘</m:t>
@@ -6607,6 +7021,7 @@
                       </m:sSub>
                       <m:r>
                         <a:rPr sz="1200" i="1">
+                          <a:latin typeface="Cambria Math" panose="02040503050406030204" pitchFamily="18" charset="0"/>
                           <a:sym typeface="Cambria Math"/>
                         </a:rPr>
                         <m:t> : </m:t>
@@ -6615,6 +7030,7 @@
                         <m:sSubPr>
                           <m:ctrlPr>
                             <a:rPr sz="1200" i="1">
+                              <a:latin typeface="Cambria Math" panose="02040503050406030204" pitchFamily="18" charset="0"/>
                               <a:sym typeface="Cambria Math"/>
                             </a:rPr>
                           </m:ctrlPr>
@@ -6622,6 +7038,7 @@
                         <m:e>
                           <m:r>
                             <a:rPr sz="1200" i="1">
+                              <a:latin typeface="Cambria Math" panose="02040503050406030204" pitchFamily="18" charset="0"/>
                               <a:sym typeface="Cambria Math"/>
                             </a:rPr>
                             <m:t>𝑝</m:t>
@@ -6630,6 +7047,7 @@
                         <m:sub>
                           <m:r>
                             <a:rPr sz="1200" i="1">
+                              <a:latin typeface="Cambria Math" panose="02040503050406030204" pitchFamily="18" charset="0"/>
                               <a:sym typeface="Cambria Math"/>
                             </a:rPr>
                             <m:t>𝑖</m:t>
@@ -6638,12 +7056,14 @@
                       </m:sSub>
                       <m:r>
                         <a:rPr sz="1200" i="1">
+                          <a:latin typeface="Cambria Math" panose="02040503050406030204" pitchFamily="18" charset="0"/>
                           <a:sym typeface="Cambria Math"/>
                         </a:rPr>
                         <m:t>와</m:t>
                       </m:r>
                       <m:r>
                         <a:rPr sz="1200" i="1">
+                          <a:latin typeface="Cambria Math" panose="02040503050406030204" pitchFamily="18" charset="0"/>
                           <a:sym typeface="Cambria Math"/>
                         </a:rPr>
                         <m:t> </m:t>
@@ -6652,6 +7072,7 @@
                         <m:sSubPr>
                           <m:ctrlPr>
                             <a:rPr sz="1200" i="1">
+                              <a:latin typeface="Cambria Math" panose="02040503050406030204" pitchFamily="18" charset="0"/>
                               <a:sym typeface="Cambria Math"/>
                             </a:rPr>
                           </m:ctrlPr>
@@ -6659,6 +7080,7 @@
                         <m:e>
                           <m:r>
                             <a:rPr sz="1200" i="1">
+                              <a:latin typeface="Cambria Math" panose="02040503050406030204" pitchFamily="18" charset="0"/>
                               <a:sym typeface="Cambria Math"/>
                             </a:rPr>
                             <m:t>𝑝</m:t>
@@ -6667,6 +7089,7 @@
                         <m:sub>
                           <m:r>
                             <a:rPr sz="1200" i="1">
+                              <a:latin typeface="Cambria Math" panose="02040503050406030204" pitchFamily="18" charset="0"/>
                               <a:sym typeface="Cambria Math"/>
                             </a:rPr>
                             <m:t>𝑗</m:t>
@@ -6675,66 +7098,77 @@
                       </m:sSub>
                       <m:r>
                         <a:rPr sz="1200" i="1">
+                          <a:latin typeface="Cambria Math" panose="02040503050406030204" pitchFamily="18" charset="0"/>
                           <a:sym typeface="Cambria Math"/>
                         </a:rPr>
                         <m:t>의</m:t>
                       </m:r>
                       <m:r>
                         <a:rPr sz="1200" i="1">
+                          <a:latin typeface="Cambria Math" panose="02040503050406030204" pitchFamily="18" charset="0"/>
                           <a:sym typeface="Cambria Math"/>
                         </a:rPr>
                         <m:t> </m:t>
                       </m:r>
                       <m:r>
                         <a:rPr sz="1200" i="1">
+                          <a:latin typeface="Cambria Math" panose="02040503050406030204" pitchFamily="18" charset="0"/>
                           <a:sym typeface="Cambria Math"/>
                         </a:rPr>
                         <m:t>𝑘</m:t>
                       </m:r>
                       <m:r>
                         <a:rPr sz="1200" i="1" smtClean="0">
+                          <a:latin typeface="Cambria Math" panose="02040503050406030204" pitchFamily="18" charset="0"/>
                           <a:sym typeface="Cambria Math"/>
                         </a:rPr>
                         <m:t>−</m:t>
                       </m:r>
                       <m:r>
                         <a:rPr sz="1200" i="1">
+                          <a:latin typeface="Cambria Math" panose="02040503050406030204" pitchFamily="18" charset="0"/>
                           <a:sym typeface="Cambria Math"/>
                         </a:rPr>
                         <m:t>𝑛𝑒𝑎𝑟𝑒𝑠𝑡</m:t>
                       </m:r>
                       <m:r>
                         <a:rPr sz="1200" i="1">
+                          <a:latin typeface="Cambria Math" panose="02040503050406030204" pitchFamily="18" charset="0"/>
                           <a:sym typeface="Cambria Math"/>
                         </a:rPr>
                         <m:t> </m:t>
                       </m:r>
                       <m:r>
                         <a:rPr sz="1200" i="1">
+                          <a:latin typeface="Cambria Math" panose="02040503050406030204" pitchFamily="18" charset="0"/>
                           <a:sym typeface="Cambria Math"/>
                         </a:rPr>
                         <m:t>𝑛𝑒𝑖𝑔</m:t>
                       </m:r>
                       <m:r>
                         <a:rPr sz="1200" i="1">
+                          <a:latin typeface="Cambria Math" panose="02040503050406030204" pitchFamily="18" charset="0"/>
                           <a:sym typeface="Cambria Math"/>
                         </a:rPr>
                         <m:t>h</m:t>
                       </m:r>
                       <m:r>
                         <a:rPr sz="1200" i="1">
+                          <a:latin typeface="Cambria Math" panose="02040503050406030204" pitchFamily="18" charset="0"/>
                           <a:sym typeface="Cambria Math"/>
                         </a:rPr>
                         <m:t>𝑏𝑜𝑟</m:t>
                       </m:r>
                       <m:r>
                         <a:rPr sz="1200" i="1">
+                          <a:latin typeface="Cambria Math" panose="02040503050406030204" pitchFamily="18" charset="0"/>
                           <a:sym typeface="Cambria Math"/>
                         </a:rPr>
                         <m:t> </m:t>
                       </m:r>
                       <m:r>
                         <a:rPr sz="1200" i="1">
+                          <a:latin typeface="Cambria Math" panose="02040503050406030204" pitchFamily="18" charset="0"/>
                           <a:sym typeface="Cambria Math"/>
                         </a:rPr>
                         <m:t>집합</m:t>
@@ -6760,6 +7194,7 @@
                         <m:sSubSupPr>
                           <m:ctrlPr>
                             <a:rPr sz="1200" i="1">
+                              <a:latin typeface="Cambria Math" panose="02040503050406030204" pitchFamily="18" charset="0"/>
                               <a:sym typeface="Cambria Math"/>
                             </a:rPr>
                           </m:ctrlPr>
@@ -6770,6 +7205,7 @@
                               <m:chr m:val="̃"/>
                               <m:ctrlPr>
                                 <a:rPr sz="1200" i="1">
+                                  <a:latin typeface="Cambria Math" panose="02040503050406030204" pitchFamily="18" charset="0"/>
                                   <a:sym typeface="Cambria Math"/>
                                 </a:rPr>
                               </m:ctrlPr>
@@ -6777,6 +7213,7 @@
                             <m:e>
                               <m:r>
                                 <a:rPr sz="1200" i="1">
+                                  <a:latin typeface="Cambria Math" panose="02040503050406030204" pitchFamily="18" charset="0"/>
                                   <a:sym typeface="Cambria Math"/>
                                 </a:rPr>
                                 <m:t>𝑤</m:t>
@@ -6787,6 +7224,7 @@
                         <m:sub>
                           <m:r>
                             <a:rPr sz="1200" i="1">
+                              <a:latin typeface="Cambria Math" panose="02040503050406030204" pitchFamily="18" charset="0"/>
                               <a:sym typeface="Cambria Math"/>
                             </a:rPr>
                             <m:t>𝑖𝑗</m:t>
@@ -6795,6 +7233,7 @@
                         <m:sup>
                           <m:r>
                             <a:rPr sz="1200" i="1">
+                              <a:latin typeface="Cambria Math" panose="02040503050406030204" pitchFamily="18" charset="0"/>
                               <a:sym typeface="Cambria Math"/>
                             </a:rPr>
                             <m:t>𝐶𝑜𝑛𝑡𝑒𝑥𝑡𝑢𝑎𝑙</m:t>
@@ -6803,6 +7242,7 @@
                       </m:sSubSup>
                       <m:r>
                         <a:rPr sz="1200" i="1">
+                          <a:latin typeface="Cambria Math" panose="02040503050406030204" pitchFamily="18" charset="0"/>
                           <a:sym typeface="Cambria Math"/>
                         </a:rPr>
                         <m:t> : </m:t>
@@ -6811,6 +7251,7 @@
                         <m:sSubPr>
                           <m:ctrlPr>
                             <a:rPr sz="1200" i="1">
+                              <a:latin typeface="Cambria Math" panose="02040503050406030204" pitchFamily="18" charset="0"/>
                               <a:sym typeface="Cambria Math"/>
                             </a:rPr>
                           </m:ctrlPr>
@@ -6818,6 +7259,7 @@
                         <m:e>
                           <m:r>
                             <a:rPr sz="1200" i="1">
+                              <a:latin typeface="Cambria Math" panose="02040503050406030204" pitchFamily="18" charset="0"/>
                               <a:sym typeface="Cambria Math"/>
                             </a:rPr>
                             <m:t>𝑝</m:t>
@@ -6826,6 +7268,7 @@
                         <m:sub>
                           <m:r>
                             <a:rPr sz="1200" i="1">
+                              <a:latin typeface="Cambria Math" panose="02040503050406030204" pitchFamily="18" charset="0"/>
                               <a:sym typeface="Cambria Math"/>
                             </a:rPr>
                             <m:t>𝑖</m:t>
@@ -6834,6 +7277,7 @@
                       </m:sSub>
                       <m:r>
                         <a:rPr sz="1200" i="1">
+                          <a:latin typeface="Cambria Math" panose="02040503050406030204" pitchFamily="18" charset="0"/>
                           <a:sym typeface="Cambria Math"/>
                         </a:rPr>
                         <m:t>, </m:t>
@@ -6842,6 +7286,7 @@
                         <m:sSubPr>
                           <m:ctrlPr>
                             <a:rPr sz="1200" i="1">
+                              <a:latin typeface="Cambria Math" panose="02040503050406030204" pitchFamily="18" charset="0"/>
                               <a:sym typeface="Cambria Math"/>
                             </a:rPr>
                           </m:ctrlPr>
@@ -6849,6 +7294,7 @@
                         <m:e>
                           <m:r>
                             <a:rPr sz="1200" i="1">
+                              <a:latin typeface="Cambria Math" panose="02040503050406030204" pitchFamily="18" charset="0"/>
                               <a:sym typeface="Cambria Math"/>
                             </a:rPr>
                             <m:t>𝑝</m:t>
@@ -6857,6 +7303,7 @@
                         <m:sub>
                           <m:r>
                             <a:rPr sz="1200" i="1">
+                              <a:latin typeface="Cambria Math" panose="02040503050406030204" pitchFamily="18" charset="0"/>
                               <a:sym typeface="Cambria Math"/>
                             </a:rPr>
                             <m:t>𝑗</m:t>
@@ -6865,30 +7312,35 @@
                       </m:sSub>
                       <m:r>
                         <a:rPr sz="1200" i="1">
+                          <a:latin typeface="Cambria Math" panose="02040503050406030204" pitchFamily="18" charset="0"/>
                           <a:sym typeface="Cambria Math"/>
                         </a:rPr>
                         <m:t>의</m:t>
                       </m:r>
                       <m:r>
                         <a:rPr sz="1200" i="1">
+                          <a:latin typeface="Cambria Math" panose="02040503050406030204" pitchFamily="18" charset="0"/>
                           <a:sym typeface="Cambria Math"/>
                         </a:rPr>
                         <m:t> </m:t>
                       </m:r>
                       <m:r>
                         <a:rPr sz="1200" i="1">
+                          <a:latin typeface="Cambria Math" panose="02040503050406030204" pitchFamily="18" charset="0"/>
                           <a:sym typeface="Cambria Math"/>
                         </a:rPr>
                         <m:t>𝑐𝑜𝑛𝑡𝑒𝑥𝑡𝑢𝑎𝑙</m:t>
                       </m:r>
                       <m:r>
                         <a:rPr sz="1200" i="1">
+                          <a:latin typeface="Cambria Math" panose="02040503050406030204" pitchFamily="18" charset="0"/>
                           <a:sym typeface="Cambria Math"/>
                         </a:rPr>
                         <m:t> </m:t>
                       </m:r>
                       <m:r>
                         <a:rPr sz="1200" i="1">
+                          <a:latin typeface="Cambria Math" panose="02040503050406030204" pitchFamily="18" charset="0"/>
                           <a:sym typeface="Cambria Math"/>
                         </a:rPr>
                         <m:t>𝑠𝑖𝑚𝑖𝑙𝑎𝑟𝑖𝑡𝑦</m:t>
@@ -6901,7 +7353,7 @@
             </p:txBody>
           </p:sp>
         </mc:Choice>
-        <mc:Fallback>
+        <mc:Fallback xmlns="">
           <p:sp>
             <p:nvSpPr>
               <p:cNvPr id="13" name="자유형: 도형 12"/>
@@ -7022,8 +7474,8 @@
           </a:prstGeom>
         </p:spPr>
       </p:pic>
-      <mc:AlternateContent xmlns:mc="http://schemas.openxmlformats.org/markup-compatibility/2006">
-        <mc:Choice xmlns:a14="http://schemas.microsoft.com/office/drawing/2010/main" Requires="a14">
+      <mc:AlternateContent xmlns:mc="http://schemas.openxmlformats.org/markup-compatibility/2006" xmlns:a14="http://schemas.microsoft.com/office/drawing/2010/main">
+        <mc:Choice Requires="a14">
           <p:sp>
             <p:nvSpPr>
               <p:cNvPr id="17" name="자유형: 도형 16"/>
@@ -7088,6 +7540,7 @@
                         <m:sSubPr>
                           <m:ctrlPr>
                             <a:rPr lang="ar-AE" sz="1200" i="1" smtClean="0">
+                              <a:latin typeface="Cambria Math" panose="02040503050406030204" pitchFamily="18" charset="0"/>
                               <a:ea typeface="Cambria Math" panose="02040503050406030204" pitchFamily="18" charset="0"/>
                               <a:sym typeface="Cambria Math"/>
                             </a:rPr>
@@ -7096,6 +7549,7 @@
                         <m:e>
                           <m:r>
                             <a:rPr lang="ar-AE" sz="1200" i="1">
+                              <a:latin typeface="Cambria Math" panose="02040503050406030204" pitchFamily="18" charset="0"/>
                               <a:ea typeface="Cambria Math" panose="02040503050406030204" pitchFamily="18" charset="0"/>
                               <a:sym typeface="Cambria Math"/>
                             </a:rPr>
@@ -7105,6 +7559,7 @@
                         <m:sub>
                           <m:r>
                             <a:rPr lang="ar-AE" sz="1200" i="1">
+                              <a:latin typeface="Cambria Math" panose="02040503050406030204" pitchFamily="18" charset="0"/>
                               <a:ea typeface="Cambria Math" panose="02040503050406030204" pitchFamily="18" charset="0"/>
                               <a:sym typeface="Cambria Math"/>
                             </a:rPr>
@@ -7114,6 +7569,7 @@
                       </m:sSub>
                       <m:r>
                         <a:rPr lang="ar-AE" sz="1200" i="1">
+                          <a:latin typeface="Cambria Math" panose="02040503050406030204" pitchFamily="18" charset="0"/>
                           <a:ea typeface="Cambria Math" panose="02040503050406030204" pitchFamily="18" charset="0"/>
                           <a:sym typeface="Cambria Math"/>
                         </a:rPr>
@@ -7123,6 +7579,7 @@
                         <m:sSubPr>
                           <m:ctrlPr>
                             <a:rPr lang="ar-AE" sz="1200" i="1">
+                              <a:latin typeface="Cambria Math" panose="02040503050406030204" pitchFamily="18" charset="0"/>
                               <a:ea typeface="Cambria Math" panose="02040503050406030204" pitchFamily="18" charset="0"/>
                               <a:sym typeface="Cambria Math"/>
                             </a:rPr>
@@ -7131,6 +7588,7 @@
                         <m:e>
                           <m:r>
                             <a:rPr lang="ar-AE" sz="1200" i="1">
+                              <a:latin typeface="Cambria Math" panose="02040503050406030204" pitchFamily="18" charset="0"/>
                               <a:ea typeface="Cambria Math" panose="02040503050406030204" pitchFamily="18" charset="0"/>
                               <a:sym typeface="Cambria Math"/>
                             </a:rPr>
@@ -7140,6 +7598,7 @@
                         <m:sub>
                           <m:r>
                             <a:rPr lang="ar-AE" sz="1200" i="1">
+                              <a:latin typeface="Cambria Math" panose="02040503050406030204" pitchFamily="18" charset="0"/>
                               <a:ea typeface="Cambria Math" panose="02040503050406030204" pitchFamily="18" charset="0"/>
                               <a:sym typeface="Cambria Math"/>
                             </a:rPr>
@@ -7149,12 +7608,14 @@
                       </m:sSub>
                       <m:r>
                         <a:rPr lang="ko-KR" altLang="en-US" sz="1200" i="1">
+                          <a:latin typeface="Cambria Math" panose="02040503050406030204" pitchFamily="18" charset="0"/>
                           <a:sym typeface="Cambria Math"/>
                         </a:rPr>
                         <m:t>와</m:t>
                       </m:r>
                       <m:r>
                         <a:rPr lang="ko-KR" altLang="en-US" sz="1200" i="1">
+                          <a:latin typeface="Cambria Math" panose="02040503050406030204" pitchFamily="18" charset="0"/>
                           <a:sym typeface="Cambria Math"/>
                         </a:rPr>
                         <m:t> </m:t>
@@ -7163,6 +7624,7 @@
                         <m:sSubPr>
                           <m:ctrlPr>
                             <a:rPr lang="ar-AE" sz="1200" i="1">
+                              <a:latin typeface="Cambria Math" panose="02040503050406030204" pitchFamily="18" charset="0"/>
                               <a:ea typeface="Cambria Math" panose="02040503050406030204" pitchFamily="18" charset="0"/>
                               <a:sym typeface="Cambria Math"/>
                             </a:rPr>
@@ -7171,6 +7633,7 @@
                         <m:e>
                           <m:r>
                             <a:rPr lang="ar-AE" sz="1200" i="1">
+                              <a:latin typeface="Cambria Math" panose="02040503050406030204" pitchFamily="18" charset="0"/>
                               <a:ea typeface="Cambria Math" panose="02040503050406030204" pitchFamily="18" charset="0"/>
                               <a:sym typeface="Cambria Math"/>
                             </a:rPr>
@@ -7180,6 +7643,7 @@
                         <m:sub>
                           <m:r>
                             <a:rPr lang="ar-AE" sz="1200" i="1">
+                              <a:latin typeface="Cambria Math" panose="02040503050406030204" pitchFamily="18" charset="0"/>
                               <a:ea typeface="Cambria Math" panose="02040503050406030204" pitchFamily="18" charset="0"/>
                               <a:sym typeface="Cambria Math"/>
                             </a:rPr>
@@ -7189,60 +7653,70 @@
                       </m:sSub>
                       <m:r>
                         <a:rPr lang="ko-KR" altLang="en-US" sz="1200" i="1">
+                          <a:latin typeface="Cambria Math" panose="02040503050406030204" pitchFamily="18" charset="0"/>
                           <a:sym typeface="Cambria Math"/>
                         </a:rPr>
                         <m:t>의</m:t>
                       </m:r>
                       <m:r>
                         <a:rPr lang="ko-KR" altLang="en-US" sz="1200" i="1">
+                          <a:latin typeface="Cambria Math" panose="02040503050406030204" pitchFamily="18" charset="0"/>
                           <a:sym typeface="Cambria Math"/>
                         </a:rPr>
                         <m:t> </m:t>
                       </m:r>
                       <m:r>
                         <a:rPr lang="ko-KR" altLang="en-US" sz="1200" i="1">
+                          <a:latin typeface="Cambria Math" panose="02040503050406030204" pitchFamily="18" charset="0"/>
                           <a:sym typeface="Cambria Math"/>
                         </a:rPr>
                         <m:t>𝑘</m:t>
                       </m:r>
                       <m:r>
                         <a:rPr lang="ko-KR" altLang="en-US" sz="1200" i="1">
+                          <a:latin typeface="Cambria Math" panose="02040503050406030204" pitchFamily="18" charset="0"/>
                           <a:sym typeface="Cambria Math"/>
                         </a:rPr>
                         <m:t>−</m:t>
                       </m:r>
                       <m:r>
                         <a:rPr lang="ko-KR" altLang="en-US" sz="1200" i="1">
+                          <a:latin typeface="Cambria Math" panose="02040503050406030204" pitchFamily="18" charset="0"/>
                           <a:sym typeface="Cambria Math"/>
                         </a:rPr>
                         <m:t>𝑛𝑒𝑎𝑟𝑒𝑠𝑡</m:t>
                       </m:r>
                       <m:r>
                         <a:rPr lang="ko-KR" altLang="en-US" sz="1200" i="1">
+                          <a:latin typeface="Cambria Math" panose="02040503050406030204" pitchFamily="18" charset="0"/>
                           <a:sym typeface="Cambria Math"/>
                         </a:rPr>
                         <m:t> </m:t>
                       </m:r>
                       <m:r>
                         <a:rPr lang="ko-KR" altLang="en-US" sz="1200" i="1">
+                          <a:latin typeface="Cambria Math" panose="02040503050406030204" pitchFamily="18" charset="0"/>
                           <a:sym typeface="Cambria Math"/>
                         </a:rPr>
                         <m:t>𝑟𝑒𝑐𝑖𝑝𝑟𝑜𝑐𝑎𝑙</m:t>
                       </m:r>
                       <m:r>
                         <a:rPr lang="ko-KR" altLang="en-US" sz="1200" i="1">
+                          <a:latin typeface="Cambria Math" panose="02040503050406030204" pitchFamily="18" charset="0"/>
                           <a:sym typeface="Cambria Math"/>
                         </a:rPr>
                         <m:t> </m:t>
                       </m:r>
                       <m:r>
                         <a:rPr lang="ko-KR" altLang="en-US" sz="1200" i="1">
+                          <a:latin typeface="Cambria Math" panose="02040503050406030204" pitchFamily="18" charset="0"/>
                           <a:sym typeface="Cambria Math"/>
                         </a:rPr>
                         <m:t>𝑛𝑒𝑖𝑔</m:t>
                       </m:r>
                       <m:r>
                         <a:rPr lang="en-US" altLang="ko-KR" sz="1200" i="1">
+                          <a:latin typeface="Cambria Math" panose="02040503050406030204" pitchFamily="18" charset="0"/>
                           <a:ea typeface="Cambria Math" panose="02040503050406030204" pitchFamily="18" charset="0"/>
                           <a:sym typeface="Cambria Math"/>
                         </a:rPr>
@@ -7250,18 +7724,21 @@
                       </m:r>
                       <m:r>
                         <a:rPr lang="ko-KR" altLang="en-US" sz="1200" i="1">
+                          <a:latin typeface="Cambria Math" panose="02040503050406030204" pitchFamily="18" charset="0"/>
                           <a:sym typeface="Cambria Math"/>
                         </a:rPr>
                         <m:t>𝑏𝑜𝑟</m:t>
                       </m:r>
                       <m:r>
                         <a:rPr lang="ko-KR" altLang="en-US" sz="1200" i="1">
+                          <a:latin typeface="Cambria Math" panose="02040503050406030204" pitchFamily="18" charset="0"/>
                           <a:sym typeface="Cambria Math"/>
                         </a:rPr>
                         <m:t> </m:t>
                       </m:r>
                       <m:r>
                         <a:rPr lang="ko-KR" altLang="en-US" sz="1200" i="1">
+                          <a:latin typeface="Cambria Math" panose="02040503050406030204" pitchFamily="18" charset="0"/>
                           <a:sym typeface="Cambria Math"/>
                         </a:rPr>
                         <m:t>집합</m:t>
@@ -7278,13 +7755,13 @@
                 </a:endParaRPr>
               </a:p>
               <a:p>
-                <a:pPr/>
                 <a14:m>
                   <m:oMath xmlns:m="http://schemas.openxmlformats.org/officeDocument/2006/math">
                     <m:sSubSup>
                       <m:sSubSupPr>
                         <m:ctrlPr>
                           <a:rPr lang="ar-AE" altLang="ko-KR" sz="1200" i="1" smtClean="0">
+                            <a:latin typeface="Cambria Math" panose="02040503050406030204" pitchFamily="18" charset="0"/>
                             <a:ea typeface="Cambria Math" panose="02040503050406030204" pitchFamily="18" charset="0"/>
                           </a:rPr>
                         </m:ctrlPr>
@@ -7295,13 +7772,16 @@
                             <m:chr m:val="̂"/>
                             <m:ctrlPr>
                               <a:rPr lang="ar-AE" altLang="ko-KR" sz="1200" i="1" smtClean="0">
+                                <a:latin typeface="Cambria Math" panose="02040503050406030204" pitchFamily="18" charset="0"/>
                                 <a:ea typeface="Cambria Math" panose="02040503050406030204" pitchFamily="18" charset="0"/>
                               </a:rPr>
                             </m:ctrlPr>
                           </m:accPr>
                           <m:e>
                             <m:r>
-                              <a:rPr lang="ko-KR" altLang="ar-AE" sz="1200" b="0" i="1" smtClean="0"/>
+                              <a:rPr lang="ko-KR" altLang="ar-AE" sz="1200" b="0" i="1" smtClean="0">
+                                <a:latin typeface="Cambria Math" panose="02040503050406030204" pitchFamily="18" charset="0"/>
+                              </a:rPr>
                               <m:t>𝑤</m:t>
                             </m:r>
                           </m:e>
@@ -7310,6 +7790,7 @@
                       <m:sub>
                         <m:r>
                           <a:rPr lang="en-US" altLang="ko-KR" sz="1200" b="0" i="1" smtClean="0">
+                            <a:latin typeface="Cambria Math" panose="02040503050406030204" pitchFamily="18" charset="0"/>
                             <a:ea typeface="Cambria Math" panose="02040503050406030204" pitchFamily="18" charset="0"/>
                           </a:rPr>
                           <m:t>𝑖𝑗</m:t>
@@ -7318,6 +7799,7 @@
                       <m:sup>
                         <m:r>
                           <a:rPr lang="en-US" altLang="ko-KR" sz="1200" b="0" i="1" smtClean="0">
+                            <a:latin typeface="Cambria Math" panose="02040503050406030204" pitchFamily="18" charset="0"/>
                             <a:ea typeface="Cambria Math" panose="02040503050406030204" pitchFamily="18" charset="0"/>
                           </a:rPr>
                           <m:t>𝐶𝑜𝑛𝑡𝑒𝑥𝑡𝑢𝑎𝑙</m:t>
@@ -7326,6 +7808,7 @@
                     </m:sSubSup>
                     <m:r>
                       <a:rPr lang="en-US" altLang="ko-KR" sz="1200" b="0" i="1" smtClean="0">
+                        <a:latin typeface="Cambria Math" panose="02040503050406030204" pitchFamily="18" charset="0"/>
                         <a:ea typeface="Cambria Math" panose="02040503050406030204" pitchFamily="18" charset="0"/>
                       </a:rPr>
                       <m:t> :</m:t>
@@ -7334,6 +7817,7 @@
                       <m:sSubPr>
                         <m:ctrlPr>
                           <a:rPr lang="en-US" altLang="ko-KR" sz="1200" i="1">
+                            <a:latin typeface="Cambria Math" panose="02040503050406030204" pitchFamily="18" charset="0"/>
                             <a:ea typeface="Cambria Math" panose="02040503050406030204" pitchFamily="18" charset="0"/>
                           </a:rPr>
                         </m:ctrlPr>
@@ -7341,6 +7825,7 @@
                       <m:e>
                         <m:r>
                           <a:rPr lang="en-US" altLang="ko-KR" sz="1200" i="1">
+                            <a:latin typeface="Cambria Math" panose="02040503050406030204" pitchFamily="18" charset="0"/>
                             <a:ea typeface="Cambria Math" panose="02040503050406030204" pitchFamily="18" charset="0"/>
                           </a:rPr>
                           <m:t>𝑝</m:t>
@@ -7349,6 +7834,7 @@
                       <m:sub>
                         <m:r>
                           <a:rPr lang="en-US" altLang="ko-KR" sz="1200" i="1">
+                            <a:latin typeface="Cambria Math" panose="02040503050406030204" pitchFamily="18" charset="0"/>
                             <a:ea typeface="Cambria Math" panose="02040503050406030204" pitchFamily="18" charset="0"/>
                           </a:rPr>
                           <m:t>𝑖</m:t>
@@ -7369,6 +7855,7 @@
                       <m:sSubPr>
                         <m:ctrlPr>
                           <a:rPr lang="en-US" altLang="ko-KR" sz="1200" i="1">
+                            <a:latin typeface="Cambria Math" panose="02040503050406030204" pitchFamily="18" charset="0"/>
                             <a:ea typeface="Cambria Math" panose="02040503050406030204" pitchFamily="18" charset="0"/>
                           </a:rPr>
                         </m:ctrlPr>
@@ -7376,6 +7863,7 @@
                       <m:e>
                         <m:r>
                           <a:rPr lang="en-US" altLang="ko-KR" sz="1200" i="1">
+                            <a:latin typeface="Cambria Math" panose="02040503050406030204" pitchFamily="18" charset="0"/>
                             <a:ea typeface="Cambria Math" panose="02040503050406030204" pitchFamily="18" charset="0"/>
                           </a:rPr>
                           <m:t>𝑝</m:t>
@@ -7384,6 +7872,7 @@
                       <m:sub>
                         <m:r>
                           <a:rPr lang="en-US" altLang="ko-KR" sz="1200" b="0" i="1" smtClean="0">
+                            <a:latin typeface="Cambria Math" panose="02040503050406030204" pitchFamily="18" charset="0"/>
                             <a:ea typeface="Cambria Math" panose="02040503050406030204" pitchFamily="18" charset="0"/>
                           </a:rPr>
                           <m:t>𝑗</m:t>
@@ -7391,7 +7880,9 @@
                       </m:sub>
                     </m:sSub>
                     <m:r>
-                      <a:rPr lang="ko-KR" altLang="en-US" sz="1200" i="1" smtClean="0"/>
+                      <a:rPr lang="ko-KR" altLang="en-US" sz="1200" i="1" smtClean="0">
+                        <a:latin typeface="Cambria Math" panose="02040503050406030204" pitchFamily="18" charset="0"/>
+                      </a:rPr>
                       <m:t>의</m:t>
                     </m:r>
                   </m:oMath>
@@ -7442,7 +7933,7 @@
             </p:txBody>
           </p:sp>
         </mc:Choice>
-        <mc:Fallback>
+        <mc:Fallback xmlns="">
           <p:sp>
             <p:nvSpPr>
               <p:cNvPr id="17" name="자유형: 도형 16"/>
@@ -7553,7 +8044,7 @@
     <mc:Choice Requires="p14">
       <p:transition/>
     </mc:Choice>
-    <mc:Fallback xmlns:a14="http://schemas.microsoft.com/office/drawing/2010/main" xmlns:dsp="http://schemas.microsoft.com/office/drawing/2008/diagram" xmlns:dgm="http://schemas.openxmlformats.org/drawingml/2006/diagram" xmlns:c="http://schemas.openxmlformats.org/drawingml/2006/chart" xmlns="">
+    <mc:Fallback xmlns="" xmlns:c="http://schemas.openxmlformats.org/drawingml/2006/chart" xmlns:dgm="http://schemas.openxmlformats.org/drawingml/2006/diagram" xmlns:dsp="http://schemas.microsoft.com/office/drawing/2008/diagram" xmlns:a14="http://schemas.microsoft.com/office/drawing/2010/main">
       <p:transition/>
     </mc:Fallback>
   </mc:AlternateContent>
@@ -7783,8 +8274,8 @@
           </p:spPr>
         </p:pic>
       </p:grpSp>
-      <mc:AlternateContent xmlns:mc="http://schemas.openxmlformats.org/markup-compatibility/2006">
-        <mc:Choice xmlns:a14="http://schemas.microsoft.com/office/drawing/2010/main" Requires="a14">
+      <mc:AlternateContent xmlns:mc="http://schemas.openxmlformats.org/markup-compatibility/2006" xmlns:a14="http://schemas.microsoft.com/office/drawing/2010/main">
+        <mc:Choice Requires="a14">
           <p:sp>
             <p:nvSpPr>
               <p:cNvPr id="15" name="자유형: 도형 14">
@@ -7844,13 +8335,13 @@
               <a:bodyPr/>
               <a:lstStyle/>
               <a:p>
-                <a:pPr/>
                 <a14:m>
                   <m:oMath xmlns:m="http://schemas.openxmlformats.org/officeDocument/2006/math">
                     <m:sSub>
                       <m:sSubPr>
                         <m:ctrlPr>
                           <a:rPr lang="ar-AE" sz="1200" i="1" smtClean="0">
+                            <a:latin typeface="Cambria Math" panose="02040503050406030204" pitchFamily="18" charset="0"/>
                             <a:sym typeface="Cambria Math"/>
                           </a:rPr>
                         </m:ctrlPr>
@@ -7883,6 +8374,7 @@
                     </m:sSub>
                     <m:r>
                       <a:rPr lang="ar-AE" sz="1200" i="1">
+                        <a:latin typeface="Cambria Math" panose="02040503050406030204" pitchFamily="18" charset="0"/>
                         <a:sym typeface="Cambria Math"/>
                       </a:rPr>
                       <m:t> :</m:t>
@@ -7989,11 +8481,9 @@
                 <a:endParaRPr lang="en-US" altLang="ko-KR" sz="1200" dirty="0"/>
               </a:p>
               <a:p>
-                <a:pPr/>
                 <a:endParaRPr lang="en-US" sz="1200" dirty="0"/>
               </a:p>
               <a:p>
-                <a:pPr/>
                 <a:r>
                   <a:rPr lang="en-US" sz="1200" dirty="0"/>
                   <a:t>N : </a:t>
@@ -8007,7 +8497,7 @@
             </p:txBody>
           </p:sp>
         </mc:Choice>
-        <mc:Fallback>
+        <mc:Fallback xmlns="">
           <p:sp>
             <p:nvSpPr>
               <p:cNvPr id="15" name="자유형: 도형 14">
@@ -8086,8 +8576,8 @@
           </p:sp>
         </mc:Fallback>
       </mc:AlternateContent>
-      <mc:AlternateContent xmlns:mc="http://schemas.openxmlformats.org/markup-compatibility/2006">
-        <mc:Choice xmlns:a14="http://schemas.microsoft.com/office/drawing/2010/main" Requires="a14">
+      <mc:AlternateContent xmlns:mc="http://schemas.openxmlformats.org/markup-compatibility/2006" xmlns:a14="http://schemas.microsoft.com/office/drawing/2010/main">
+        <mc:Choice Requires="a14">
           <p:sp>
             <p:nvSpPr>
               <p:cNvPr id="19" name="자유형: 도형 18">
@@ -8147,13 +8637,13 @@
               <a:bodyPr/>
               <a:lstStyle/>
               <a:p>
-                <a:pPr/>
                 <a14:m>
                   <m:oMath xmlns:m="http://schemas.openxmlformats.org/officeDocument/2006/math">
                     <m:sSub>
                       <m:sSubPr>
                         <m:ctrlPr>
                           <a:rPr lang="ar-AE" sz="1200" i="1" smtClean="0">
+                            <a:latin typeface="Cambria Math" panose="02040503050406030204" pitchFamily="18" charset="0"/>
                             <a:sym typeface="Cambria Math"/>
                           </a:rPr>
                         </m:ctrlPr>
@@ -8186,6 +8676,7 @@
                     </m:sSub>
                     <m:r>
                       <a:rPr lang="ar-AE" sz="1200" i="1">
+                        <a:latin typeface="Cambria Math" panose="02040503050406030204" pitchFamily="18" charset="0"/>
                         <a:sym typeface="Cambria Math"/>
                       </a:rPr>
                       <m:t> :</m:t>
@@ -8211,11 +8702,9 @@
                 <a:endParaRPr lang="en-US" altLang="ko-KR" sz="1200" dirty="0"/>
               </a:p>
               <a:p>
-                <a:pPr/>
                 <a:endParaRPr lang="en-US" sz="1200" dirty="0"/>
               </a:p>
               <a:p>
-                <a:pPr/>
                 <a:r>
                   <a:rPr lang="en-US" sz="1200" dirty="0"/>
                   <a:t>m : repelling margin.</a:t>
@@ -8245,7 +8734,7 @@
             </p:txBody>
           </p:sp>
         </mc:Choice>
-        <mc:Fallback>
+        <mc:Fallback xmlns="">
           <p:sp>
             <p:nvSpPr>
               <p:cNvPr id="19" name="자유형: 도형 18">
@@ -8368,7 +8857,7 @@
     <mc:Choice Requires="p14">
       <p:transition/>
     </mc:Choice>
-    <mc:Fallback xmlns:a14="http://schemas.microsoft.com/office/drawing/2010/main" xmlns:dsp="http://schemas.microsoft.com/office/drawing/2008/diagram" xmlns:dgm="http://schemas.openxmlformats.org/drawingml/2006/diagram" xmlns:c="http://schemas.openxmlformats.org/drawingml/2006/chart" xmlns="">
+    <mc:Fallback xmlns="" xmlns:c="http://schemas.openxmlformats.org/drawingml/2006/chart" xmlns:dgm="http://schemas.openxmlformats.org/drawingml/2006/diagram" xmlns:dsp="http://schemas.microsoft.com/office/drawing/2008/diagram" xmlns:a14="http://schemas.microsoft.com/office/drawing/2010/main">
       <p:transition/>
     </mc:Fallback>
   </mc:AlternateContent>
@@ -8485,6 +8974,58 @@
           </a:prstGeom>
         </p:spPr>
       </p:pic>
+      <p:sp>
+        <p:nvSpPr>
+          <p:cNvPr id="5" name="직사각형 4">
+            <a:extLst>
+              <a:ext uri="{FF2B5EF4-FFF2-40B4-BE49-F238E27FC236}">
+                <a16:creationId xmlns:a16="http://schemas.microsoft.com/office/drawing/2014/main" id="{BE806CC2-789C-4EBD-8AE3-21665C508FAC}"/>
+              </a:ext>
+            </a:extLst>
+          </p:cNvPr>
+          <p:cNvSpPr/>
+          <p:nvPr/>
+        </p:nvSpPr>
+        <p:spPr>
+          <a:xfrm>
+            <a:off x="2497393" y="3868994"/>
+            <a:ext cx="7207046" cy="1361767"/>
+          </a:xfrm>
+          <a:prstGeom prst="rect">
+            <a:avLst/>
+          </a:prstGeom>
+          <a:noFill/>
+          <a:ln>
+            <a:solidFill>
+              <a:srgbClr val="FF0000"/>
+            </a:solidFill>
+          </a:ln>
+        </p:spPr>
+        <p:style>
+          <a:lnRef idx="2">
+            <a:schemeClr val="accent1">
+              <a:shade val="50000"/>
+            </a:schemeClr>
+          </a:lnRef>
+          <a:fillRef idx="1">
+            <a:schemeClr val="accent1"/>
+          </a:fillRef>
+          <a:effectRef idx="0">
+            <a:schemeClr val="accent1"/>
+          </a:effectRef>
+          <a:fontRef idx="minor">
+            <a:schemeClr val="lt1"/>
+          </a:fontRef>
+        </p:style>
+        <p:txBody>
+          <a:bodyPr rtlCol="0" anchor="ctr"/>
+          <a:lstStyle/>
+          <a:p>
+            <a:pPr algn="ctr"/>
+            <a:endParaRPr lang="ko-KR" altLang="en-US"/>
+          </a:p>
+        </p:txBody>
+      </p:sp>
     </p:spTree>
     <p:extLst>
       <p:ext uri="{BB962C8B-B14F-4D97-AF65-F5344CB8AC3E}">
@@ -8499,7 +9040,7 @@
     <mc:Choice Requires="p14">
       <p:transition/>
     </mc:Choice>
-    <mc:Fallback xmlns:dsp="http://schemas.microsoft.com/office/drawing/2008/diagram" xmlns:dgm="http://schemas.openxmlformats.org/drawingml/2006/diagram" xmlns:c="http://schemas.openxmlformats.org/drawingml/2006/chart" xmlns="">
+    <mc:Fallback xmlns="" xmlns:c="http://schemas.openxmlformats.org/drawingml/2006/chart" xmlns:dgm="http://schemas.openxmlformats.org/drawingml/2006/diagram" xmlns:dsp="http://schemas.microsoft.com/office/drawing/2008/diagram">
       <p:transition/>
     </mc:Fallback>
   </mc:AlternateContent>
@@ -8567,8 +9108,8 @@
         </p:nvSpPr>
         <p:spPr>
           <a:xfrm>
-            <a:off x="838200" y="1506071"/>
-            <a:ext cx="10515600" cy="2889810"/>
+            <a:off x="838200" y="1506070"/>
+            <a:ext cx="5606845" cy="5096291"/>
           </a:xfrm>
         </p:spPr>
         <p:txBody>
@@ -8599,9 +9140,114 @@
               <a:defRPr/>
             </a:pPr>
             <a:r>
-              <a:rPr lang="en-US" altLang="ko-KR" dirty="0"/>
-              <a:t>Coreset sampling</a:t>
-            </a:r>
+              <a:rPr lang="en-US" altLang="ko-KR" sz="2400" dirty="0"/>
+              <a:t>Minimax facility location coreset selection</a:t>
+            </a:r>
+          </a:p>
+          <a:p>
+            <a:pPr lvl="0">
+              <a:buClr>
+                <a:schemeClr val="tx1"/>
+              </a:buClr>
+              <a:buFontTx/>
+              <a:buChar char="-"/>
+              <a:defRPr/>
+            </a:pPr>
+            <a:r>
+              <a:rPr lang="ko-KR" altLang="en-US" sz="2400" dirty="0"/>
+              <a:t>여러 위치 중 일정 수의 </a:t>
+            </a:r>
+            <a:r>
+              <a:rPr lang="en-US" altLang="ko-KR" sz="2400" dirty="0"/>
+              <a:t>'</a:t>
+            </a:r>
+            <a:r>
+              <a:rPr lang="ko-KR" altLang="en-US" sz="2400" dirty="0"/>
+              <a:t>시설</a:t>
+            </a:r>
+            <a:r>
+              <a:rPr lang="en-US" altLang="ko-KR" sz="2400" dirty="0"/>
+              <a:t>'</a:t>
+            </a:r>
+            <a:r>
+              <a:rPr lang="ko-KR" altLang="en-US" sz="2400" dirty="0"/>
+              <a:t>을 배치하여 모든 </a:t>
+            </a:r>
+            <a:r>
+              <a:rPr lang="en-US" altLang="ko-KR" sz="2400" dirty="0"/>
+              <a:t>'</a:t>
+            </a:r>
+            <a:r>
+              <a:rPr lang="ko-KR" altLang="en-US" sz="2400" dirty="0"/>
+              <a:t>고객</a:t>
+            </a:r>
+            <a:r>
+              <a:rPr lang="en-US" altLang="ko-KR" sz="2400" dirty="0"/>
+              <a:t>' </a:t>
+            </a:r>
+            <a:r>
+              <a:rPr lang="ko-KR" altLang="en-US" sz="2400" dirty="0"/>
+              <a:t>위치까지의 최대 거리를 최소화하는 방식으로 해결</a:t>
+            </a:r>
+            <a:endParaRPr lang="en-US" altLang="ko-KR" sz="2400" dirty="0"/>
+          </a:p>
+          <a:p>
+            <a:pPr lvl="0">
+              <a:buClr>
+                <a:schemeClr val="tx1"/>
+              </a:buClr>
+              <a:buFontTx/>
+              <a:buChar char="-"/>
+              <a:defRPr/>
+            </a:pPr>
+            <a:r>
+              <a:rPr lang="en-US" altLang="ko-KR" sz="2400" dirty="0"/>
+              <a:t>Greedy</a:t>
+            </a:r>
+            <a:r>
+              <a:rPr lang="ko-KR" altLang="en-US" sz="2400" dirty="0"/>
+              <a:t> </a:t>
+            </a:r>
+            <a:r>
+              <a:rPr lang="en-US" altLang="ko-KR" sz="2400" dirty="0"/>
+              <a:t>algorithm</a:t>
+            </a:r>
+            <a:r>
+              <a:rPr lang="ko-KR" altLang="en-US" sz="2400" dirty="0"/>
+              <a:t>을 사용하여 시설 위치를 선택합니다</a:t>
+            </a:r>
+            <a:r>
+              <a:rPr lang="en-US" altLang="ko-KR" sz="2400" dirty="0"/>
+              <a:t>. </a:t>
+            </a:r>
+            <a:r>
+              <a:rPr lang="ko-KR" altLang="en-US" sz="2400" dirty="0"/>
+              <a:t>이는 각 단계에서 현재 선택되지 않은 위치 중에서 가장 먼 거리에 있는 위치를 선택하는 방식</a:t>
+            </a:r>
+            <a:endParaRPr lang="en-US" altLang="ko-KR" sz="2400" dirty="0"/>
+          </a:p>
+          <a:p>
+            <a:pPr lvl="0">
+              <a:buClr>
+                <a:schemeClr val="tx1"/>
+              </a:buClr>
+              <a:buFontTx/>
+              <a:buChar char="-"/>
+              <a:defRPr/>
+            </a:pPr>
+            <a:r>
+              <a:rPr lang="ko-KR" altLang="en-US" sz="2400" dirty="0"/>
+              <a:t>이 과정을 </a:t>
+            </a:r>
+            <a:r>
+              <a:rPr lang="en-US" altLang="ko-KR" sz="2400" dirty="0"/>
+              <a:t>k</a:t>
+            </a:r>
+            <a:r>
+              <a:rPr lang="ko-KR" altLang="en-US" sz="2400" dirty="0"/>
+              <a:t>개의 시설이 선택될 때까지 반복</a:t>
+            </a:r>
+            <a:endParaRPr lang="en-US" altLang="ko-KR" sz="2400" dirty="0"/>
           </a:p>
           <a:p>
             <a:pPr marL="0" lvl="0" indent="0">
@@ -8611,10 +9257,100 @@
               <a:buNone/>
               <a:defRPr/>
             </a:pPr>
-            <a:endParaRPr lang="en-US" altLang="ko-KR" dirty="0"/>
-          </a:p>
-        </p:txBody>
-      </p:sp>
+            <a:endParaRPr lang="en-US" altLang="ko-KR" sz="2400" dirty="0"/>
+          </a:p>
+        </p:txBody>
+      </p:sp>
+      <p:pic>
+        <p:nvPicPr>
+          <p:cNvPr id="1028" name="Picture 4">
+            <a:extLst>
+              <a:ext uri="{FF2B5EF4-FFF2-40B4-BE49-F238E27FC236}">
+                <a16:creationId xmlns:a16="http://schemas.microsoft.com/office/drawing/2014/main" id="{054FCD96-8494-4623-9DDF-D52A4F3E30D2}"/>
+              </a:ext>
+            </a:extLst>
+          </p:cNvPr>
+          <p:cNvPicPr>
+            <a:picLocks noChangeAspect="1" noChangeArrowheads="1"/>
+          </p:cNvPicPr>
+          <p:nvPr/>
+        </p:nvPicPr>
+        <p:blipFill rotWithShape="1">
+          <a:blip r:embed="rId2">
+            <a:extLst>
+              <a:ext uri="{28A0092B-C50C-407E-A947-70E740481C1C}">
+                <a14:useLocalDpi xmlns:a14="http://schemas.microsoft.com/office/drawing/2010/main" val="0"/>
+              </a:ext>
+            </a:extLst>
+          </a:blip>
+          <a:srcRect r="41604" b="47810"/>
+          <a:stretch/>
+        </p:blipFill>
+        <p:spPr bwMode="auto">
+          <a:xfrm>
+            <a:off x="6706079" y="103444"/>
+            <a:ext cx="4839573" cy="3174488"/>
+          </a:xfrm>
+          <a:prstGeom prst="rect">
+            <a:avLst/>
+          </a:prstGeom>
+          <a:noFill/>
+          <a:extLst>
+            <a:ext uri="{909E8E84-426E-40DD-AFC4-6F175D3DCCD1}">
+              <a14:hiddenFill xmlns:a14="http://schemas.microsoft.com/office/drawing/2010/main">
+                <a:solidFill>
+                  <a:srgbClr val="FFFFFF"/>
+                </a:solidFill>
+              </a14:hiddenFill>
+            </a:ext>
+          </a:extLst>
+        </p:spPr>
+      </p:pic>
+      <p:pic>
+        <p:nvPicPr>
+          <p:cNvPr id="6" name="Picture 4">
+            <a:extLst>
+              <a:ext uri="{FF2B5EF4-FFF2-40B4-BE49-F238E27FC236}">
+                <a16:creationId xmlns:a16="http://schemas.microsoft.com/office/drawing/2014/main" id="{D6AF78CD-0FB5-49B1-8D99-135966F38EFB}"/>
+              </a:ext>
+            </a:extLst>
+          </p:cNvPr>
+          <p:cNvPicPr>
+            <a:picLocks noChangeAspect="1" noChangeArrowheads="1"/>
+          </p:cNvPicPr>
+          <p:nvPr/>
+        </p:nvPicPr>
+        <p:blipFill rotWithShape="1">
+          <a:blip r:embed="rId2">
+            <a:extLst>
+              <a:ext uri="{28A0092B-C50C-407E-A947-70E740481C1C}">
+                <a14:useLocalDpi xmlns:a14="http://schemas.microsoft.com/office/drawing/2010/main" val="0"/>
+              </a:ext>
+            </a:extLst>
+          </a:blip>
+          <a:srcRect l="59822" b="49184"/>
+          <a:stretch/>
+        </p:blipFill>
+        <p:spPr bwMode="auto">
+          <a:xfrm>
+            <a:off x="7689855" y="3401960"/>
+            <a:ext cx="3329807" cy="3090915"/>
+          </a:xfrm>
+          <a:prstGeom prst="rect">
+            <a:avLst/>
+          </a:prstGeom>
+          <a:noFill/>
+          <a:extLst>
+            <a:ext uri="{909E8E84-426E-40DD-AFC4-6F175D3DCCD1}">
+              <a14:hiddenFill xmlns:a14="http://schemas.microsoft.com/office/drawing/2010/main">
+                <a:solidFill>
+                  <a:srgbClr val="FFFFFF"/>
+                </a:solidFill>
+              </a14:hiddenFill>
+            </a:ext>
+          </a:extLst>
+        </p:spPr>
+      </p:pic>
     </p:spTree>
     <p:extLst>
       <p:ext uri="{BB962C8B-B14F-4D97-AF65-F5344CB8AC3E}">
@@ -8629,7 +9365,7 @@
     <mc:Choice Requires="p14">
       <p:transition/>
     </mc:Choice>
-    <mc:Fallback xmlns:dsp="http://schemas.microsoft.com/office/drawing/2008/diagram" xmlns:dgm="http://schemas.openxmlformats.org/drawingml/2006/diagram" xmlns:c="http://schemas.openxmlformats.org/drawingml/2006/chart" xmlns="">
+    <mc:Fallback xmlns="" xmlns:c="http://schemas.openxmlformats.org/drawingml/2006/chart" xmlns:dgm="http://schemas.openxmlformats.org/drawingml/2006/diagram" xmlns:dsp="http://schemas.microsoft.com/office/drawing/2008/diagram">
       <p:transition/>
     </mc:Fallback>
   </mc:AlternateContent>

--- a/ReConPatch, Contrastive Patch Representation Learning for Industrial/ReConPatch, Contrastive Patch Representation Learning for Industrial.pptx
+++ b/ReConPatch, Contrastive Patch Representation Learning for Industrial/ReConPatch, Contrastive Patch Representation Learning for Industrial.pptx
@@ -5,7 +5,7 @@
     <p:sldMasterId id="2147483648" r:id="rId1"/>
   </p:sldMasterIdLst>
   <p:notesMasterIdLst>
-    <p:notesMasterId r:id="rId14"/>
+    <p:notesMasterId r:id="rId15"/>
   </p:notesMasterIdLst>
   <p:sldIdLst>
     <p:sldId id="256" r:id="rId2"/>
@@ -19,7 +19,8 @@
     <p:sldId id="300" r:id="rId10"/>
     <p:sldId id="301" r:id="rId11"/>
     <p:sldId id="298" r:id="rId12"/>
-    <p:sldId id="270" r:id="rId13"/>
+    <p:sldId id="302" r:id="rId13"/>
+    <p:sldId id="270" r:id="rId14"/>
   </p:sldIdLst>
   <p:sldSz cx="12192000" cy="6858000"/>
   <p:notesSz cx="6858000" cy="9144000"/>
@@ -882,6 +883,102 @@
     <p:extLst>
       <p:ext uri="{BB962C8B-B14F-4D97-AF65-F5344CB8AC3E}">
         <p14:creationId xmlns:p14="http://schemas.microsoft.com/office/powerpoint/2010/main" val="485460926"/>
+      </p:ext>
+    </p:extLst>
+  </p:cSld>
+  <p:clrMapOvr>
+    <a:masterClrMapping/>
+  </p:clrMapOvr>
+</p:notes>
+</file>
+
+<file path=ppt/notesSlides/notesSlide5.xml><?xml version="1.0" encoding="utf-8"?>
+<p:notes xmlns:a="http://schemas.openxmlformats.org/drawingml/2006/main" xmlns:r="http://schemas.openxmlformats.org/officeDocument/2006/relationships" xmlns:p="http://schemas.openxmlformats.org/presentationml/2006/main">
+  <p:cSld>
+    <p:spTree>
+      <p:nvGrpSpPr>
+        <p:cNvPr id="1" name=""/>
+        <p:cNvGrpSpPr/>
+        <p:nvPr/>
+      </p:nvGrpSpPr>
+      <p:grpSpPr>
+        <a:xfrm>
+          <a:off x="0" y="0"/>
+          <a:ext cx="0" cy="0"/>
+          <a:chOff x="0" y="0"/>
+          <a:chExt cx="0" cy="0"/>
+        </a:xfrm>
+      </p:grpSpPr>
+      <p:sp>
+        <p:nvSpPr>
+          <p:cNvPr id="2" name="슬라이드 이미지 개체 틀 3"/>
+          <p:cNvSpPr>
+            <a:spLocks noGrp="1" noRot="1" noChangeAspect="1" noTextEdit="1"/>
+          </p:cNvSpPr>
+          <p:nvPr>
+            <p:ph type="sldImg" idx="2"/>
+          </p:nvPr>
+        </p:nvSpPr>
+        <p:spPr/>
+        <p:txBody>
+          <a:bodyPr/>
+          <a:lstStyle/>
+          <a:p>
+            <a:pPr lvl="0"/>
+            <a:endParaRPr lang="en-US" altLang="ko-KR"/>
+          </a:p>
+        </p:txBody>
+      </p:sp>
+      <p:sp>
+        <p:nvSpPr>
+          <p:cNvPr id="3" name="슬라이드 노트 개체 틀 4"/>
+          <p:cNvSpPr>
+            <a:spLocks noGrp="1"/>
+          </p:cNvSpPr>
+          <p:nvPr>
+            <p:ph type="body" sz="quarter" idx="3"/>
+          </p:nvPr>
+        </p:nvSpPr>
+        <p:spPr/>
+        <p:txBody>
+          <a:bodyPr/>
+          <a:lstStyle/>
+          <a:p>
+            <a:pPr>
+              <a:defRPr/>
+            </a:pPr>
+            <a:endParaRPr lang="ko-KR" altLang="en-US"/>
+          </a:p>
+        </p:txBody>
+      </p:sp>
+      <p:sp>
+        <p:nvSpPr>
+          <p:cNvPr id="4" name="슬라이드 번호 개체 틀 6"/>
+          <p:cNvSpPr>
+            <a:spLocks noGrp="1"/>
+          </p:cNvSpPr>
+          <p:nvPr>
+            <p:ph type="sldNum" sz="quarter" idx="5"/>
+          </p:nvPr>
+        </p:nvSpPr>
+        <p:spPr/>
+        <p:txBody>
+          <a:bodyPr/>
+          <a:lstStyle/>
+          <a:p>
+            <a:pPr lvl="0"/>
+            <a:fld id="{17CD097A-5759-4135-9984-2451C32C3456}" type="slidenum">
+              <a:rPr lang="ko-KR" altLang="en-US" smtClean="0"/>
+              <a:t>12</a:t>
+            </a:fld>
+            <a:endParaRPr lang="ko-KR" altLang="en-US"/>
+          </a:p>
+        </p:txBody>
+      </p:sp>
+    </p:spTree>
+    <p:extLst>
+      <p:ext uri="{BB962C8B-B14F-4D97-AF65-F5344CB8AC3E}">
+        <p14:creationId xmlns:p14="http://schemas.microsoft.com/office/powerpoint/2010/main" val="1206953338"/>
       </p:ext>
     </p:extLst>
   </p:cSld>
@@ -4183,7 +4280,7 @@
     <mc:Choice Requires="p14">
       <p:transition/>
     </mc:Choice>
-    <mc:Fallback xmlns="" xmlns:c="http://schemas.openxmlformats.org/drawingml/2006/chart" xmlns:dgm="http://schemas.openxmlformats.org/drawingml/2006/diagram" xmlns:dsp="http://schemas.microsoft.com/office/drawing/2008/diagram">
+    <mc:Fallback xmlns:dsp="http://schemas.microsoft.com/office/drawing/2008/diagram" xmlns:dgm="http://schemas.openxmlformats.org/drawingml/2006/diagram" xmlns:c="http://schemas.openxmlformats.org/drawingml/2006/chart" xmlns="">
       <p:transition/>
     </mc:Fallback>
   </mc:AlternateContent>
@@ -4578,7 +4675,7 @@
     <mc:Choice Requires="p14">
       <p:transition/>
     </mc:Choice>
-    <mc:Fallback xmlns="" xmlns:c="http://schemas.openxmlformats.org/drawingml/2006/chart" xmlns:dgm="http://schemas.openxmlformats.org/drawingml/2006/diagram" xmlns:dsp="http://schemas.microsoft.com/office/drawing/2008/diagram" xmlns:a14="http://schemas.microsoft.com/office/drawing/2010/main">
+    <mc:Fallback xmlns:a14="http://schemas.microsoft.com/office/drawing/2010/main" xmlns:dsp="http://schemas.microsoft.com/office/drawing/2008/diagram" xmlns:dgm="http://schemas.openxmlformats.org/drawingml/2006/diagram" xmlns:c="http://schemas.openxmlformats.org/drawingml/2006/chart" xmlns="">
       <p:transition/>
     </mc:Fallback>
   </mc:AlternateContent>
@@ -4586,6 +4683,112 @@
 </file>
 
 <file path=ppt/slides/slide12.xml><?xml version="1.0" encoding="utf-8"?>
+<p:sld xmlns:a="http://schemas.openxmlformats.org/drawingml/2006/main" xmlns:r="http://schemas.openxmlformats.org/officeDocument/2006/relationships" xmlns:p="http://schemas.openxmlformats.org/presentationml/2006/main">
+  <p:cSld>
+    <p:spTree>
+      <p:nvGrpSpPr>
+        <p:cNvPr id="1" name=""/>
+        <p:cNvGrpSpPr/>
+        <p:nvPr/>
+      </p:nvGrpSpPr>
+      <p:grpSpPr>
+        <a:xfrm>
+          <a:off x="0" y="0"/>
+          <a:ext cx="0" cy="0"/>
+          <a:chOff x="0" y="0"/>
+          <a:chExt cx="0" cy="0"/>
+        </a:xfrm>
+      </p:grpSpPr>
+      <p:sp>
+        <p:nvSpPr>
+          <p:cNvPr id="2" name="제목 1"/>
+          <p:cNvSpPr>
+            <a:spLocks noGrp="1"/>
+          </p:cNvSpPr>
+          <p:nvPr>
+            <p:ph type="title"/>
+          </p:nvPr>
+        </p:nvSpPr>
+        <p:spPr/>
+        <p:txBody>
+          <a:bodyPr/>
+          <a:lstStyle/>
+          <a:p>
+            <a:pPr lvl="0">
+              <a:defRPr/>
+            </a:pPr>
+            <a:r>
+              <a:rPr lang="en-US" altLang="ko-KR"/>
+              <a:t>2. </a:t>
+            </a:r>
+            <a:r>
+              <a:rPr lang="ko-KR" altLang="en-US"/>
+              <a:t>모델</a:t>
+            </a:r>
+          </a:p>
+        </p:txBody>
+      </p:sp>
+      <p:sp>
+        <p:nvSpPr>
+          <p:cNvPr id="3" name="내용 개체 틀 2"/>
+          <p:cNvSpPr>
+            <a:spLocks noGrp="1"/>
+          </p:cNvSpPr>
+          <p:nvPr>
+            <p:ph idx="1"/>
+          </p:nvPr>
+        </p:nvSpPr>
+        <p:spPr>
+          <a:xfrm>
+            <a:off x="838200" y="1506072"/>
+            <a:ext cx="5257800" cy="1100810"/>
+          </a:xfrm>
+        </p:spPr>
+        <p:txBody>
+          <a:bodyPr>
+            <a:normAutofit/>
+          </a:bodyPr>
+          <a:lstStyle/>
+          <a:p>
+            <a:pPr marL="518000" lvl="0" indent="-518000">
+              <a:buClr>
+                <a:schemeClr val="tx1"/>
+              </a:buClr>
+              <a:buFont typeface="+mj-ea"/>
+              <a:buAutoNum type="circleNumDbPlain" startAt="3"/>
+              <a:defRPr/>
+            </a:pPr>
+            <a:r>
+              <a:rPr lang="en-US" altLang="ko-KR" dirty="0"/>
+              <a:t>Inference phases</a:t>
+            </a:r>
+          </a:p>
+          <a:p>
+            <a:pPr lvl="0">
+              <a:buClr>
+                <a:schemeClr val="tx1"/>
+              </a:buClr>
+              <a:defRPr/>
+            </a:pPr>
+            <a:endParaRPr lang="en-US" altLang="ko-KR" dirty="0"/>
+          </a:p>
+        </p:txBody>
+      </p:sp>
+    </p:spTree>
+    <p:extLst>
+      <p:ext uri="{BB962C8B-B14F-4D97-AF65-F5344CB8AC3E}">
+        <p14:creationId xmlns:p14="http://schemas.microsoft.com/office/powerpoint/2010/main" val="1883291449"/>
+      </p:ext>
+    </p:extLst>
+  </p:cSld>
+  <p:clrMapOvr>
+    <a:masterClrMapping/>
+  </p:clrMapOvr>
+  <p:transition/>
+</p:sld>
+</file>
+
+<file path=ppt/slides/slide13.xml><?xml version="1.0" encoding="utf-8"?>
 <p:sld xmlns:a="http://schemas.openxmlformats.org/drawingml/2006/main" xmlns:r="http://schemas.openxmlformats.org/officeDocument/2006/relationships" xmlns:p="http://schemas.openxmlformats.org/presentationml/2006/main">
   <p:cSld>
     <p:spTree>
@@ -4732,7 +4935,7 @@
             </a:r>
             <a:r>
               <a:rPr lang="ko-KR" altLang="en-US" dirty="0"/>
-              <a:t> 모델에서 발전시킨 모델</a:t>
+              <a:t> 모델에서 발전시킨 이상 탐지 모델</a:t>
             </a:r>
           </a:p>
           <a:p>
@@ -4837,7 +5040,7 @@
     <mc:Choice Requires="p14">
       <p:transition/>
     </mc:Choice>
-    <mc:Fallback xmlns="" xmlns:c="http://schemas.openxmlformats.org/drawingml/2006/chart" xmlns:dgm="http://schemas.openxmlformats.org/drawingml/2006/diagram" xmlns:dsp="http://schemas.microsoft.com/office/drawing/2008/diagram">
+    <mc:Fallback xmlns:dsp="http://schemas.microsoft.com/office/drawing/2008/diagram" xmlns:dgm="http://schemas.openxmlformats.org/drawingml/2006/diagram" xmlns:c="http://schemas.openxmlformats.org/drawingml/2006/chart" xmlns="">
       <p:transition/>
     </mc:Fallback>
   </mc:AlternateContent>
@@ -5020,7 +5223,7 @@
     <mc:Choice Requires="p14">
       <p:transition/>
     </mc:Choice>
-    <mc:Fallback xmlns="" xmlns:c="http://schemas.openxmlformats.org/drawingml/2006/chart" xmlns:dgm="http://schemas.openxmlformats.org/drawingml/2006/diagram" xmlns:dsp="http://schemas.microsoft.com/office/drawing/2008/diagram">
+    <mc:Fallback xmlns:dsp="http://schemas.microsoft.com/office/drawing/2008/diagram" xmlns:dgm="http://schemas.openxmlformats.org/drawingml/2006/diagram" xmlns:c="http://schemas.openxmlformats.org/drawingml/2006/chart" xmlns="">
       <p:transition/>
     </mc:Fallback>
   </mc:AlternateContent>
@@ -6429,7 +6632,7 @@
     <mc:Choice Requires="p14">
       <p:transition/>
     </mc:Choice>
-    <mc:Fallback xmlns="" xmlns:c="http://schemas.openxmlformats.org/drawingml/2006/chart" xmlns:dgm="http://schemas.openxmlformats.org/drawingml/2006/diagram" xmlns:dsp="http://schemas.microsoft.com/office/drawing/2008/diagram" xmlns:a14="http://schemas.microsoft.com/office/drawing/2010/main">
+    <mc:Fallback xmlns:a14="http://schemas.microsoft.com/office/drawing/2010/main" xmlns:dsp="http://schemas.microsoft.com/office/drawing/2008/diagram" xmlns:dgm="http://schemas.openxmlformats.org/drawingml/2006/diagram" xmlns:c="http://schemas.openxmlformats.org/drawingml/2006/chart" xmlns="">
       <p:transition/>
     </mc:Fallback>
   </mc:AlternateContent>
@@ -6793,7 +6996,7 @@
     <mc:Choice Requires="p14">
       <p:transition/>
     </mc:Choice>
-    <mc:Fallback xmlns="" xmlns:c="http://schemas.openxmlformats.org/drawingml/2006/chart" xmlns:dgm="http://schemas.openxmlformats.org/drawingml/2006/diagram" xmlns:dsp="http://schemas.microsoft.com/office/drawing/2008/diagram" xmlns:a14="http://schemas.microsoft.com/office/drawing/2010/main">
+    <mc:Fallback xmlns:a14="http://schemas.microsoft.com/office/drawing/2010/main" xmlns:dsp="http://schemas.microsoft.com/office/drawing/2008/diagram" xmlns:dgm="http://schemas.openxmlformats.org/drawingml/2006/diagram" xmlns:c="http://schemas.openxmlformats.org/drawingml/2006/chart" xmlns="">
       <p:transition/>
     </mc:Fallback>
   </mc:AlternateContent>
@@ -8044,7 +8247,7 @@
     <mc:Choice Requires="p14">
       <p:transition/>
     </mc:Choice>
-    <mc:Fallback xmlns="" xmlns:c="http://schemas.openxmlformats.org/drawingml/2006/chart" xmlns:dgm="http://schemas.openxmlformats.org/drawingml/2006/diagram" xmlns:dsp="http://schemas.microsoft.com/office/drawing/2008/diagram" xmlns:a14="http://schemas.microsoft.com/office/drawing/2010/main">
+    <mc:Fallback xmlns:a14="http://schemas.microsoft.com/office/drawing/2010/main" xmlns:dsp="http://schemas.microsoft.com/office/drawing/2008/diagram" xmlns:dgm="http://schemas.openxmlformats.org/drawingml/2006/diagram" xmlns:c="http://schemas.openxmlformats.org/drawingml/2006/chart" xmlns="">
       <p:transition/>
     </mc:Fallback>
   </mc:AlternateContent>
@@ -8857,7 +9060,7 @@
     <mc:Choice Requires="p14">
       <p:transition/>
     </mc:Choice>
-    <mc:Fallback xmlns="" xmlns:c="http://schemas.openxmlformats.org/drawingml/2006/chart" xmlns:dgm="http://schemas.openxmlformats.org/drawingml/2006/diagram" xmlns:dsp="http://schemas.microsoft.com/office/drawing/2008/diagram" xmlns:a14="http://schemas.microsoft.com/office/drawing/2010/main">
+    <mc:Fallback xmlns:a14="http://schemas.microsoft.com/office/drawing/2010/main" xmlns:dsp="http://schemas.microsoft.com/office/drawing/2008/diagram" xmlns:dgm="http://schemas.openxmlformats.org/drawingml/2006/diagram" xmlns:c="http://schemas.openxmlformats.org/drawingml/2006/chart" xmlns="">
       <p:transition/>
     </mc:Fallback>
   </mc:AlternateContent>
@@ -9040,7 +9243,7 @@
     <mc:Choice Requires="p14">
       <p:transition/>
     </mc:Choice>
-    <mc:Fallback xmlns="" xmlns:c="http://schemas.openxmlformats.org/drawingml/2006/chart" xmlns:dgm="http://schemas.openxmlformats.org/drawingml/2006/diagram" xmlns:dsp="http://schemas.microsoft.com/office/drawing/2008/diagram">
+    <mc:Fallback xmlns:dsp="http://schemas.microsoft.com/office/drawing/2008/diagram" xmlns:dgm="http://schemas.openxmlformats.org/drawingml/2006/diagram" xmlns:c="http://schemas.openxmlformats.org/drawingml/2006/chart" xmlns="">
       <p:transition/>
     </mc:Fallback>
   </mc:AlternateContent>
@@ -9365,7 +9568,7 @@
     <mc:Choice Requires="p14">
       <p:transition/>
     </mc:Choice>
-    <mc:Fallback xmlns="" xmlns:c="http://schemas.openxmlformats.org/drawingml/2006/chart" xmlns:dgm="http://schemas.openxmlformats.org/drawingml/2006/diagram" xmlns:dsp="http://schemas.microsoft.com/office/drawing/2008/diagram">
+    <mc:Fallback xmlns:dsp="http://schemas.microsoft.com/office/drawing/2008/diagram" xmlns:dgm="http://schemas.openxmlformats.org/drawingml/2006/diagram" xmlns:c="http://schemas.openxmlformats.org/drawingml/2006/chart" xmlns="">
       <p:transition/>
     </mc:Fallback>
   </mc:AlternateContent>

--- a/ReConPatch, Contrastive Patch Representation Learning for Industrial/ReConPatch, Contrastive Patch Representation Learning for Industrial.pptx
+++ b/ReConPatch, Contrastive Patch Representation Learning for Industrial/ReConPatch, Contrastive Patch Representation Learning for Industrial.pptx
@@ -4280,7 +4280,7 @@
     <mc:Choice Requires="p14">
       <p:transition/>
     </mc:Choice>
-    <mc:Fallback xmlns:dsp="http://schemas.microsoft.com/office/drawing/2008/diagram" xmlns:dgm="http://schemas.openxmlformats.org/drawingml/2006/diagram" xmlns:c="http://schemas.openxmlformats.org/drawingml/2006/chart" xmlns="">
+    <mc:Fallback xmlns="" xmlns:c="http://schemas.openxmlformats.org/drawingml/2006/chart" xmlns:dgm="http://schemas.openxmlformats.org/drawingml/2006/diagram" xmlns:dsp="http://schemas.microsoft.com/office/drawing/2008/diagram">
       <p:transition/>
     </mc:Fallback>
   </mc:AlternateContent>
@@ -4675,7 +4675,7 @@
     <mc:Choice Requires="p14">
       <p:transition/>
     </mc:Choice>
-    <mc:Fallback xmlns:a14="http://schemas.microsoft.com/office/drawing/2010/main" xmlns:dsp="http://schemas.microsoft.com/office/drawing/2008/diagram" xmlns:dgm="http://schemas.openxmlformats.org/drawingml/2006/diagram" xmlns:c="http://schemas.openxmlformats.org/drawingml/2006/chart" xmlns="">
+    <mc:Fallback xmlns="" xmlns:c="http://schemas.openxmlformats.org/drawingml/2006/chart" xmlns:dgm="http://schemas.openxmlformats.org/drawingml/2006/diagram" xmlns:dsp="http://schemas.microsoft.com/office/drawing/2008/diagram" xmlns:a14="http://schemas.microsoft.com/office/drawing/2010/main">
       <p:transition/>
     </mc:Fallback>
   </mc:AlternateContent>
@@ -4768,12 +4768,837 @@
               <a:buClr>
                 <a:schemeClr val="tx1"/>
               </a:buClr>
+              <a:buFont typeface="Arial"/>
+              <a:defRPr/>
+            </a:pPr>
+            <a:r>
+              <a:rPr lang="en-US" altLang="ko-KR" dirty="0"/>
+              <a:t>Anomaly score</a:t>
+            </a:r>
+          </a:p>
+          <a:p>
+            <a:pPr lvl="0">
+              <a:buClr>
+                <a:schemeClr val="tx1"/>
+              </a:buClr>
               <a:defRPr/>
             </a:pPr>
             <a:endParaRPr lang="en-US" altLang="ko-KR" dirty="0"/>
           </a:p>
         </p:txBody>
       </p:sp>
+      <p:pic>
+        <p:nvPicPr>
+          <p:cNvPr id="4" name="그림 3">
+            <a:extLst>
+              <a:ext uri="{FF2B5EF4-FFF2-40B4-BE49-F238E27FC236}">
+                <a16:creationId xmlns:a16="http://schemas.microsoft.com/office/drawing/2014/main" id="{456CCC98-F16C-410E-BD59-A97892297059}"/>
+              </a:ext>
+            </a:extLst>
+          </p:cNvPr>
+          <p:cNvPicPr>
+            <a:picLocks noChangeAspect="1"/>
+          </p:cNvPicPr>
+          <p:nvPr/>
+        </p:nvPicPr>
+        <p:blipFill>
+          <a:blip r:embed="rId3"/>
+          <a:stretch>
+            <a:fillRect/>
+          </a:stretch>
+        </p:blipFill>
+        <p:spPr>
+          <a:xfrm>
+            <a:off x="706088" y="3132001"/>
+            <a:ext cx="5001323" cy="1952898"/>
+          </a:xfrm>
+          <a:prstGeom prst="rect">
+            <a:avLst/>
+          </a:prstGeom>
+        </p:spPr>
+      </p:pic>
+      <mc:AlternateContent xmlns:mc="http://schemas.openxmlformats.org/markup-compatibility/2006">
+        <mc:Choice xmlns:a14="http://schemas.microsoft.com/office/drawing/2010/main" Requires="a14">
+          <p:sp>
+            <p:nvSpPr>
+              <p:cNvPr id="5" name="자유형: 도형 4">
+                <a:extLst>
+                  <a:ext uri="{FF2B5EF4-FFF2-40B4-BE49-F238E27FC236}">
+                    <a16:creationId xmlns:a16="http://schemas.microsoft.com/office/drawing/2014/main" id="{49C6096B-1B9E-4FC3-9522-AB7A8E2573DB}"/>
+                  </a:ext>
+                </a:extLst>
+              </p:cNvPr>
+              <p:cNvSpPr/>
+              <p:nvPr/>
+            </p:nvSpPr>
+            <p:spPr>
+              <a:xfrm>
+                <a:off x="6484590" y="3005827"/>
+                <a:ext cx="4583460" cy="2582173"/>
+              </a:xfrm>
+              <a:custGeom>
+                <a:avLst/>
+                <a:gdLst/>
+                <a:ahLst/>
+                <a:cxnLst>
+                  <a:cxn ang="3cd4">
+                    <a:pos x="hc" y="t"/>
+                  </a:cxn>
+                  <a:cxn ang="cd2">
+                    <a:pos x="l" y="vc"/>
+                  </a:cxn>
+                  <a:cxn ang="cd4">
+                    <a:pos x="hc" y="b"/>
+                  </a:cxn>
+                  <a:cxn ang="0">
+                    <a:pos x="r" y="vc"/>
+                  </a:cxn>
+                </a:cxnLst>
+                <a:rect l="l" t="t" r="r" b="b"/>
+                <a:pathLst>
+                  <a:path w="914400" h="914400">
+                    <a:moveTo>
+                      <a:pt x="0" y="0"/>
+                    </a:moveTo>
+                    <a:lnTo>
+                      <a:pt x="914400" y="0"/>
+                    </a:lnTo>
+                    <a:lnTo>
+                      <a:pt x="914400" y="914400"/>
+                    </a:lnTo>
+                    <a:lnTo>
+                      <a:pt x="0" y="914400"/>
+                    </a:lnTo>
+                    <a:close/>
+                  </a:path>
+                </a:pathLst>
+              </a:custGeom>
+            </p:spPr>
+            <p:txBody>
+              <a:bodyPr/>
+              <a:lstStyle/>
+              <a:p>
+                <a:pPr algn="l"/>
+                <a14:m>
+                  <m:oMath xmlns:m="http://schemas.openxmlformats.org/officeDocument/2006/math">
+                    <m:r>
+                      <a:rPr lang="en-US" sz="1200" b="0" i="1" smtClean="0">
+                        <a:ea typeface="Cambria Math" panose="02040503050406030204" pitchFamily="18" charset="0"/>
+                        <a:sym typeface="Cambria Math"/>
+                      </a:rPr>
+                      <m:t>𝑓</m:t>
+                    </m:r>
+                    <m:r>
+                      <a:rPr lang="ar-AE" sz="1200" i="1">
+                        <a:ea typeface="Cambria Math" panose="02040503050406030204" pitchFamily="18" charset="0"/>
+                        <a:sym typeface="Cambria Math"/>
+                      </a:rPr>
+                      <m:t> : </m:t>
+                    </m:r>
+                  </m:oMath>
+                </a14:m>
+                <a:r>
+                  <a:rPr lang="en-US" altLang="ko-KR" sz="1200" i="1" dirty="0" err="1"/>
+                  <a:t>ReConPatch</a:t>
+                </a:r>
+                <a:r>
+                  <a:rPr lang="en-US" altLang="ko-KR" sz="1200" i="1" dirty="0"/>
+                  <a:t> </a:t>
+                </a:r>
+                <a:r>
+                  <a:rPr lang="ko-KR" altLang="en-US" sz="1200" i="1" dirty="0"/>
+                  <a:t>모델로 학습시킨 레이어</a:t>
+                </a:r>
+              </a:p>
+              <a:p>
+                <a:pPr algn="l"/>
+                <a:endParaRPr lang="en-US" altLang="ko-KR" sz="1200" i="1" dirty="0">
+                  <a:ea typeface="Cambria Math" panose="02040503050406030204" pitchFamily="18" charset="0"/>
+                </a:endParaRPr>
+              </a:p>
+              <a:p>
+                <a:pPr algn="l"/>
+                <a:r>
+                  <a:rPr lang="en-US" altLang="ko-KR" sz="1200" i="1" dirty="0">
+                    <a:ea typeface="Cambria Math" panose="02040503050406030204" pitchFamily="18" charset="0"/>
+                  </a:rPr>
+                  <a:t>M : </a:t>
+                </a:r>
+                <a:r>
+                  <a:rPr lang="ko-KR" altLang="en-US" sz="1200" i="1" dirty="0">
+                    <a:ea typeface="Cambria Math" panose="02040503050406030204" pitchFamily="18" charset="0"/>
+                  </a:rPr>
+                  <a:t>메모리 뱅크</a:t>
+                </a:r>
+                <a:endParaRPr lang="en-US" altLang="ko-KR" sz="1200" i="1" dirty="0">
+                  <a:ea typeface="Cambria Math" panose="02040503050406030204" pitchFamily="18" charset="0"/>
+                </a:endParaRPr>
+              </a:p>
+              <a:p>
+                <a:pPr algn="l"/>
+                <a:endParaRPr lang="en-US" altLang="ko-KR" sz="1200" i="1" dirty="0">
+                  <a:ea typeface="Cambria Math" panose="02040503050406030204" pitchFamily="18" charset="0"/>
+                </a:endParaRPr>
+              </a:p>
+              <a:p>
+                <a14:m>
+                  <m:oMath xmlns:m="http://schemas.openxmlformats.org/officeDocument/2006/math">
+                    <m:sSup>
+                      <m:sSupPr>
+                        <m:ctrlPr>
+                          <a:rPr lang="en-US" altLang="ko-KR" sz="1200" i="1" dirty="0" smtClean="0">
+                            <a:ea typeface="Cambria Math" panose="02040503050406030204" pitchFamily="18" charset="0"/>
+                          </a:rPr>
+                        </m:ctrlPr>
+                      </m:sSupPr>
+                      <m:e>
+                        <m:r>
+                          <a:rPr lang="en-US" altLang="ko-KR" sz="1200" b="0" i="1" dirty="0" smtClean="0">
+                            <a:ea typeface="Cambria Math" panose="02040503050406030204" pitchFamily="18" charset="0"/>
+                          </a:rPr>
+                          <m:t>𝑟</m:t>
+                        </m:r>
+                      </m:e>
+                      <m:sup>
+                        <m:r>
+                          <a:rPr lang="en-US" altLang="ko-KR" sz="1200" b="0" i="1" dirty="0" smtClean="0">
+                            <a:ea typeface="Cambria Math" panose="02040503050406030204" pitchFamily="18" charset="0"/>
+                          </a:rPr>
+                          <m:t>∗</m:t>
+                        </m:r>
+                      </m:sup>
+                    </m:sSup>
+                  </m:oMath>
+                </a14:m>
+                <a:r>
+                  <a:rPr lang="en-US" altLang="ko-KR" sz="1200" i="1" dirty="0">
+                    <a:ea typeface="Cambria Math" panose="02040503050406030204" pitchFamily="18" charset="0"/>
+                  </a:rPr>
+                  <a:t>: </a:t>
+                </a:r>
+                <a:r>
+                  <a:rPr lang="ko-KR" altLang="en-US" sz="1200" i="1" dirty="0">
+                    <a:ea typeface="Cambria Math" panose="02040503050406030204" pitchFamily="18" charset="0"/>
+                  </a:rPr>
+                  <a:t>메모리 뱅크에 저장된 </a:t>
+                </a:r>
+                <a14:m>
+                  <m:oMath xmlns:m="http://schemas.openxmlformats.org/officeDocument/2006/math">
+                    <m:sSub>
+                      <m:sSubPr>
+                        <m:ctrlPr>
+                          <a:rPr lang="en-US" altLang="ko-KR" sz="1200" i="1" dirty="0">
+                            <a:latin typeface="Cambria Math" panose="02040503050406030204" pitchFamily="18" charset="0"/>
+                            <a:ea typeface="Cambria Math" panose="02040503050406030204" pitchFamily="18" charset="0"/>
+                          </a:rPr>
+                        </m:ctrlPr>
+                      </m:sSubPr>
+                      <m:e>
+                        <m:r>
+                          <a:rPr lang="en-US" altLang="ko-KR" sz="1200" i="1" dirty="0">
+                            <a:latin typeface="Cambria Math" panose="02040503050406030204" pitchFamily="18" charset="0"/>
+                            <a:ea typeface="Cambria Math" panose="02040503050406030204" pitchFamily="18" charset="0"/>
+                          </a:rPr>
+                          <m:t>𝑝</m:t>
+                        </m:r>
+                      </m:e>
+                      <m:sub>
+                        <m:r>
+                          <a:rPr lang="en-US" altLang="ko-KR" sz="1200" i="1" dirty="0">
+                            <a:latin typeface="Cambria Math" panose="02040503050406030204" pitchFamily="18" charset="0"/>
+                            <a:ea typeface="Cambria Math" panose="02040503050406030204" pitchFamily="18" charset="0"/>
+                          </a:rPr>
+                          <m:t>𝑡</m:t>
+                        </m:r>
+                      </m:sub>
+                    </m:sSub>
+                    <m:r>
+                      <a:rPr lang="en-US" altLang="ko-KR" sz="1200" i="1" dirty="0">
+                        <a:latin typeface="Cambria Math" panose="02040503050406030204" pitchFamily="18" charset="0"/>
+                        <a:ea typeface="Cambria Math" panose="02040503050406030204" pitchFamily="18" charset="0"/>
+                      </a:rPr>
+                      <m:t> </m:t>
+                    </m:r>
+                  </m:oMath>
+                </a14:m>
+                <a:r>
+                  <a:rPr lang="ko-KR" altLang="en-US" sz="1200" i="1" dirty="0">
+                    <a:ea typeface="Cambria Math" panose="02040503050406030204" pitchFamily="18" charset="0"/>
+                  </a:rPr>
+                  <a:t>로부터 가장 거리가 가까운 </a:t>
+                </a:r>
+                <a:r>
+                  <a:rPr lang="en-US" altLang="ko-KR" sz="1200" i="1" dirty="0">
+                    <a:ea typeface="Cambria Math" panose="02040503050406030204" pitchFamily="18" charset="0"/>
+                  </a:rPr>
+                  <a:t>coreset</a:t>
+                </a:r>
+              </a:p>
+              <a:p>
+                <a:endParaRPr lang="en-US" altLang="ko-KR" sz="1200" i="1" dirty="0">
+                  <a:ea typeface="Cambria Math" panose="02040503050406030204" pitchFamily="18" charset="0"/>
+                </a:endParaRPr>
+              </a:p>
+              <a:p>
+                <a:pPr algn="just"/>
+                <a14:m>
+                  <m:oMath xmlns:m="http://schemas.openxmlformats.org/officeDocument/2006/math">
+                    <m:sSub>
+                      <m:sSubPr>
+                        <m:ctrlPr>
+                          <a:rPr lang="en-US" altLang="ko-KR" sz="1200" i="1" dirty="0" smtClean="0">
+                            <a:ea typeface="Cambria Math" panose="02040503050406030204" pitchFamily="18" charset="0"/>
+                          </a:rPr>
+                        </m:ctrlPr>
+                      </m:sSubPr>
+                      <m:e>
+                        <m:r>
+                          <a:rPr lang="en-US" altLang="ko-KR" sz="1200" b="0" i="1" dirty="0" smtClean="0">
+                            <a:ea typeface="Cambria Math" panose="02040503050406030204" pitchFamily="18" charset="0"/>
+                          </a:rPr>
+                          <m:t>𝑠</m:t>
+                        </m:r>
+                        <m:r>
+                          <a:rPr lang="en-US" altLang="ko-KR" sz="1200" b="0" i="1" dirty="0" smtClean="0">
+                            <a:ea typeface="Cambria Math" panose="02040503050406030204" pitchFamily="18" charset="0"/>
+                          </a:rPr>
+                          <m:t>′</m:t>
+                        </m:r>
+                      </m:e>
+                      <m:sub>
+                        <m:r>
+                          <a:rPr lang="en-US" altLang="ko-KR" sz="1200" b="0" i="1" dirty="0" smtClean="0">
+                            <a:ea typeface="Cambria Math" panose="02040503050406030204" pitchFamily="18" charset="0"/>
+                          </a:rPr>
+                          <m:t>𝑡</m:t>
+                        </m:r>
+                      </m:sub>
+                    </m:sSub>
+                  </m:oMath>
+                </a14:m>
+                <a:r>
+                  <a:rPr lang="en-US" altLang="ko-KR" sz="1200" i="1" dirty="0">
+                    <a:ea typeface="Cambria Math" panose="02040503050406030204" pitchFamily="18" charset="0"/>
+                  </a:rPr>
+                  <a:t> : </a:t>
+                </a:r>
+                <a:r>
+                  <a:rPr lang="ko-KR" altLang="en-US" sz="1200" i="1" dirty="0">
+                    <a:ea typeface="Cambria Math" panose="02040503050406030204" pitchFamily="18" charset="0"/>
+                  </a:rPr>
+                  <a:t>입력된 이미지로부터 얻어진 모든 패치 </a:t>
+                </a:r>
+                <a14:m>
+                  <m:oMath xmlns:m="http://schemas.openxmlformats.org/officeDocument/2006/math">
+                    <m:sSub>
+                      <m:sSubPr>
+                        <m:ctrlPr>
+                          <a:rPr lang="en-US" altLang="ko-KR" sz="1200" i="1" dirty="0">
+                            <a:latin typeface="Cambria Math" panose="02040503050406030204" pitchFamily="18" charset="0"/>
+                            <a:ea typeface="Cambria Math" panose="02040503050406030204" pitchFamily="18" charset="0"/>
+                          </a:rPr>
+                        </m:ctrlPr>
+                      </m:sSubPr>
+                      <m:e>
+                        <m:r>
+                          <a:rPr lang="en-US" altLang="ko-KR" sz="1200" b="0" i="1" dirty="0" smtClean="0">
+                            <a:latin typeface="Cambria Math" panose="02040503050406030204" pitchFamily="18" charset="0"/>
+                            <a:ea typeface="Cambria Math" panose="02040503050406030204" pitchFamily="18" charset="0"/>
+                          </a:rPr>
+                          <m:t>𝑝</m:t>
+                        </m:r>
+                      </m:e>
+                      <m:sub>
+                        <m:r>
+                          <a:rPr lang="en-US" altLang="ko-KR" sz="1200" i="1" dirty="0">
+                            <a:latin typeface="Cambria Math" panose="02040503050406030204" pitchFamily="18" charset="0"/>
+                            <a:ea typeface="Cambria Math" panose="02040503050406030204" pitchFamily="18" charset="0"/>
+                          </a:rPr>
+                          <m:t>𝑡</m:t>
+                        </m:r>
+                      </m:sub>
+                    </m:sSub>
+                  </m:oMath>
+                </a14:m>
+                <a:r>
+                  <a:rPr lang="ko-KR" altLang="en-US" sz="1200" i="1" dirty="0">
+                    <a:ea typeface="Cambria Math" panose="02040503050406030204" pitchFamily="18" charset="0"/>
+                  </a:rPr>
+                  <a:t>에 대해서 얻어진 거리 </a:t>
+                </a:r>
+                <a14:m>
+                  <m:oMath xmlns:m="http://schemas.openxmlformats.org/officeDocument/2006/math">
+                    <m:sSub>
+                      <m:sSubPr>
+                        <m:ctrlPr>
+                          <a:rPr lang="en-US" altLang="ko-KR" sz="1200" i="1" dirty="0">
+                            <a:latin typeface="Cambria Math" panose="02040503050406030204" pitchFamily="18" charset="0"/>
+                            <a:ea typeface="Cambria Math" panose="02040503050406030204" pitchFamily="18" charset="0"/>
+                          </a:rPr>
+                        </m:ctrlPr>
+                      </m:sSubPr>
+                      <m:e>
+                        <m:r>
+                          <a:rPr lang="en-US" altLang="ko-KR" sz="1200" b="0" i="1" dirty="0" smtClean="0">
+                            <a:latin typeface="Cambria Math" panose="02040503050406030204" pitchFamily="18" charset="0"/>
+                            <a:ea typeface="Cambria Math" panose="02040503050406030204" pitchFamily="18" charset="0"/>
+                          </a:rPr>
+                          <m:t>𝐷</m:t>
+                        </m:r>
+                        <m:r>
+                          <a:rPr lang="en-US" altLang="ko-KR" sz="1200" b="0" i="1" dirty="0" smtClean="0">
+                            <a:latin typeface="Cambria Math" panose="02040503050406030204" pitchFamily="18" charset="0"/>
+                            <a:ea typeface="Cambria Math" panose="02040503050406030204" pitchFamily="18" charset="0"/>
+                          </a:rPr>
+                          <m:t>(</m:t>
+                        </m:r>
+                        <m:r>
+                          <a:rPr lang="en-US" altLang="ko-KR" sz="1200" b="0" i="1" dirty="0" smtClean="0">
+                            <a:latin typeface="Cambria Math" panose="02040503050406030204" pitchFamily="18" charset="0"/>
+                            <a:ea typeface="Cambria Math" panose="02040503050406030204" pitchFamily="18" charset="0"/>
+                          </a:rPr>
+                          <m:t>𝑓</m:t>
+                        </m:r>
+                        <m:r>
+                          <a:rPr lang="en-US" altLang="ko-KR" sz="1200" b="0" i="1" dirty="0" smtClean="0">
+                            <a:latin typeface="Cambria Math" panose="02040503050406030204" pitchFamily="18" charset="0"/>
+                            <a:ea typeface="Cambria Math" panose="02040503050406030204" pitchFamily="18" charset="0"/>
+                          </a:rPr>
+                          <m:t>(</m:t>
+                        </m:r>
+                        <m:r>
+                          <a:rPr lang="en-US" altLang="ko-KR" sz="1200" b="0" i="1" dirty="0" smtClean="0">
+                            <a:latin typeface="Cambria Math" panose="02040503050406030204" pitchFamily="18" charset="0"/>
+                            <a:ea typeface="Cambria Math" panose="02040503050406030204" pitchFamily="18" charset="0"/>
+                          </a:rPr>
+                          <m:t>𝑝</m:t>
+                        </m:r>
+                      </m:e>
+                      <m:sub>
+                        <m:r>
+                          <a:rPr lang="en-US" altLang="ko-KR" sz="1200" i="1" dirty="0">
+                            <a:latin typeface="Cambria Math" panose="02040503050406030204" pitchFamily="18" charset="0"/>
+                            <a:ea typeface="Cambria Math" panose="02040503050406030204" pitchFamily="18" charset="0"/>
+                          </a:rPr>
+                          <m:t>𝑡</m:t>
+                        </m:r>
+                      </m:sub>
+                    </m:sSub>
+                    <m:r>
+                      <a:rPr lang="en-US" altLang="ko-KR" sz="1200" b="0" i="1" dirty="0" smtClean="0">
+                        <a:latin typeface="Cambria Math" panose="02040503050406030204" pitchFamily="18" charset="0"/>
+                        <a:ea typeface="Cambria Math" panose="02040503050406030204" pitchFamily="18" charset="0"/>
+                      </a:rPr>
+                      <m:t>), </m:t>
+                    </m:r>
+                    <m:sSup>
+                      <m:sSupPr>
+                        <m:ctrlPr>
+                          <a:rPr lang="en-US" altLang="ko-KR" sz="1200" b="0" i="1" dirty="0" smtClean="0">
+                            <a:latin typeface="Cambria Math" panose="02040503050406030204" pitchFamily="18" charset="0"/>
+                            <a:ea typeface="Cambria Math" panose="02040503050406030204" pitchFamily="18" charset="0"/>
+                          </a:rPr>
+                        </m:ctrlPr>
+                      </m:sSupPr>
+                      <m:e>
+                        <m:r>
+                          <a:rPr lang="en-US" altLang="ko-KR" sz="1200" b="0" i="1" dirty="0" smtClean="0">
+                            <a:latin typeface="Cambria Math" panose="02040503050406030204" pitchFamily="18" charset="0"/>
+                            <a:ea typeface="Cambria Math" panose="02040503050406030204" pitchFamily="18" charset="0"/>
+                          </a:rPr>
+                          <m:t>𝑟</m:t>
+                        </m:r>
+                      </m:e>
+                      <m:sup>
+                        <m:r>
+                          <a:rPr lang="en-US" altLang="ko-KR" sz="1200" b="0" i="1" dirty="0" smtClean="0">
+                            <a:latin typeface="Cambria Math" panose="02040503050406030204" pitchFamily="18" charset="0"/>
+                            <a:ea typeface="Cambria Math" panose="02040503050406030204" pitchFamily="18" charset="0"/>
+                          </a:rPr>
+                          <m:t>∗</m:t>
+                        </m:r>
+                      </m:sup>
+                    </m:sSup>
+                    <m:r>
+                      <a:rPr lang="en-US" altLang="ko-KR" sz="1200" b="0" i="1" dirty="0" smtClean="0">
+                        <a:latin typeface="Cambria Math" panose="02040503050406030204" pitchFamily="18" charset="0"/>
+                        <a:ea typeface="Cambria Math" panose="02040503050406030204" pitchFamily="18" charset="0"/>
+                      </a:rPr>
+                      <m:t>)</m:t>
+                    </m:r>
+                  </m:oMath>
+                </a14:m>
+                <a:r>
+                  <a:rPr lang="ko-KR" altLang="en-US" sz="1200" i="1" dirty="0">
+                    <a:ea typeface="Cambria Math" panose="02040503050406030204" pitchFamily="18" charset="0"/>
+                  </a:rPr>
+                  <a:t> 중에서 가장 짧은 거리</a:t>
+                </a:r>
+                <a:endParaRPr lang="en-US" altLang="ko-KR" sz="1200" i="1" dirty="0">
+                  <a:ea typeface="Cambria Math" panose="02040503050406030204" pitchFamily="18" charset="0"/>
+                </a:endParaRPr>
+              </a:p>
+              <a:p>
+                <a:pPr algn="just"/>
+                <a:endParaRPr lang="en-US" altLang="ko-KR" sz="1200" i="1" dirty="0">
+                  <a:ea typeface="Cambria Math" panose="02040503050406030204" pitchFamily="18" charset="0"/>
+                </a:endParaRPr>
+              </a:p>
+              <a:p>
+                <a:pPr algn="just"/>
+                <a14:m>
+                  <m:oMath xmlns:m="http://schemas.openxmlformats.org/officeDocument/2006/math">
+                    <m:sSub>
+                      <m:sSubPr>
+                        <m:ctrlPr>
+                          <a:rPr lang="en-US" altLang="ko-KR" sz="1200" i="1" dirty="0" smtClean="0">
+                            <a:latin typeface="Cambria Math" panose="02040503050406030204" pitchFamily="18" charset="0"/>
+                            <a:ea typeface="Cambria Math" panose="02040503050406030204" pitchFamily="18" charset="0"/>
+                          </a:rPr>
+                        </m:ctrlPr>
+                      </m:sSubPr>
+                      <m:e>
+                        <m:r>
+                          <a:rPr lang="en-US" altLang="ko-KR" sz="1200" b="0" i="1" dirty="0" smtClean="0">
+                            <a:latin typeface="Cambria Math" panose="02040503050406030204" pitchFamily="18" charset="0"/>
+                            <a:ea typeface="Cambria Math" panose="02040503050406030204" pitchFamily="18" charset="0"/>
+                          </a:rPr>
+                          <m:t>𝑁</m:t>
+                        </m:r>
+                      </m:e>
+                      <m:sub>
+                        <m:r>
+                          <a:rPr lang="en-US" altLang="ko-KR" sz="1200" b="0" i="1" dirty="0" smtClean="0">
+                            <a:latin typeface="Cambria Math" panose="02040503050406030204" pitchFamily="18" charset="0"/>
+                            <a:ea typeface="Cambria Math" panose="02040503050406030204" pitchFamily="18" charset="0"/>
+                          </a:rPr>
+                          <m:t>𝑏</m:t>
+                        </m:r>
+                      </m:sub>
+                    </m:sSub>
+                    <m:d>
+                      <m:dPr>
+                        <m:ctrlPr>
+                          <a:rPr lang="en-US" altLang="ko-KR" sz="1200" b="0" i="1" dirty="0" smtClean="0">
+                            <a:latin typeface="Cambria Math" panose="02040503050406030204" pitchFamily="18" charset="0"/>
+                            <a:ea typeface="Cambria Math" panose="02040503050406030204" pitchFamily="18" charset="0"/>
+                          </a:rPr>
+                        </m:ctrlPr>
+                      </m:dPr>
+                      <m:e>
+                        <m:sSup>
+                          <m:sSupPr>
+                            <m:ctrlPr>
+                              <a:rPr lang="en-US" altLang="ko-KR" sz="1200" i="1" dirty="0" smtClean="0">
+                                <a:latin typeface="Cambria Math" panose="02040503050406030204" pitchFamily="18" charset="0"/>
+                                <a:ea typeface="Cambria Math" panose="02040503050406030204" pitchFamily="18" charset="0"/>
+                              </a:rPr>
+                            </m:ctrlPr>
+                          </m:sSupPr>
+                          <m:e>
+                            <m:r>
+                              <a:rPr lang="en-US" altLang="ko-KR" sz="1200" b="0" i="1" dirty="0" smtClean="0">
+                                <a:latin typeface="Cambria Math" panose="02040503050406030204" pitchFamily="18" charset="0"/>
+                                <a:ea typeface="Cambria Math" panose="02040503050406030204" pitchFamily="18" charset="0"/>
+                              </a:rPr>
+                              <m:t>𝑟</m:t>
+                            </m:r>
+                          </m:e>
+                          <m:sup>
+                            <m:r>
+                              <a:rPr lang="en-US" altLang="ko-KR" sz="1200" b="0" i="1" dirty="0" smtClean="0">
+                                <a:latin typeface="Cambria Math" panose="02040503050406030204" pitchFamily="18" charset="0"/>
+                                <a:ea typeface="Cambria Math" panose="02040503050406030204" pitchFamily="18" charset="0"/>
+                              </a:rPr>
+                              <m:t>∗</m:t>
+                            </m:r>
+                          </m:sup>
+                        </m:sSup>
+                      </m:e>
+                    </m:d>
+                  </m:oMath>
+                </a14:m>
+                <a:r>
+                  <a:rPr lang="ko-KR" altLang="en-US" sz="1200" i="1" dirty="0">
+                    <a:ea typeface="Cambria Math" panose="02040503050406030204" pitchFamily="18" charset="0"/>
+                  </a:rPr>
+                  <a:t> </a:t>
+                </a:r>
+                <a:r>
+                  <a:rPr lang="en-US" altLang="ko-KR" sz="1200" i="1" dirty="0">
+                    <a:ea typeface="Cambria Math" panose="02040503050406030204" pitchFamily="18" charset="0"/>
+                  </a:rPr>
+                  <a:t>: </a:t>
+                </a:r>
+                <a14:m>
+                  <m:oMath xmlns:m="http://schemas.openxmlformats.org/officeDocument/2006/math">
+                    <m:sSup>
+                      <m:sSupPr>
+                        <m:ctrlPr>
+                          <a:rPr lang="en-US" altLang="ko-KR" sz="1200" i="1" dirty="0">
+                            <a:latin typeface="Cambria Math" panose="02040503050406030204" pitchFamily="18" charset="0"/>
+                            <a:ea typeface="Cambria Math" panose="02040503050406030204" pitchFamily="18" charset="0"/>
+                          </a:rPr>
+                        </m:ctrlPr>
+                      </m:sSupPr>
+                      <m:e>
+                        <m:r>
+                          <a:rPr lang="en-US" altLang="ko-KR" sz="1200" i="1" dirty="0">
+                            <a:latin typeface="Cambria Math" panose="02040503050406030204" pitchFamily="18" charset="0"/>
+                            <a:ea typeface="Cambria Math" panose="02040503050406030204" pitchFamily="18" charset="0"/>
+                          </a:rPr>
+                          <m:t>𝑟</m:t>
+                        </m:r>
+                      </m:e>
+                      <m:sup>
+                        <m:r>
+                          <a:rPr lang="en-US" altLang="ko-KR" sz="1200" i="1" dirty="0">
+                            <a:latin typeface="Cambria Math" panose="02040503050406030204" pitchFamily="18" charset="0"/>
+                            <a:ea typeface="Cambria Math" panose="02040503050406030204" pitchFamily="18" charset="0"/>
+                          </a:rPr>
+                          <m:t>∗</m:t>
+                        </m:r>
+                      </m:sup>
+                    </m:sSup>
+                  </m:oMath>
+                </a14:m>
+                <a:r>
+                  <a:rPr lang="ko-KR" altLang="en-US" sz="1200" i="1" dirty="0">
+                    <a:ea typeface="Cambria Math" panose="02040503050406030204" pitchFamily="18" charset="0"/>
+                  </a:rPr>
+                  <a:t>의 </a:t>
+                </a:r>
+                <a:r>
+                  <a:rPr lang="en-US" altLang="ko-KR" sz="1200" i="1" dirty="0">
+                    <a:ea typeface="Cambria Math" panose="02040503050406030204" pitchFamily="18" charset="0"/>
+                  </a:rPr>
+                  <a:t>b-nearest neighbor coreset</a:t>
+                </a:r>
+              </a:p>
+              <a:p>
+                <a:pPr algn="just"/>
+                <a:endParaRPr lang="en-US" altLang="ko-KR" sz="1200" i="1" dirty="0">
+                  <a:ea typeface="Cambria Math" panose="02040503050406030204" pitchFamily="18" charset="0"/>
+                </a:endParaRPr>
+              </a:p>
+              <a:p>
+                <a:pPr algn="just"/>
+                <a:r>
+                  <a:rPr lang="en-US" altLang="ko-KR" sz="1200" i="1" dirty="0">
+                    <a:ea typeface="Cambria Math" panose="02040503050406030204" pitchFamily="18" charset="0"/>
+                  </a:rPr>
+                  <a:t>r’ : </a:t>
+                </a:r>
+                <a14:m>
+                  <m:oMath xmlns:m="http://schemas.openxmlformats.org/officeDocument/2006/math">
+                    <m:sSub>
+                      <m:sSubPr>
+                        <m:ctrlPr>
+                          <a:rPr lang="en-US" altLang="ko-KR" sz="1200" i="1" dirty="0">
+                            <a:latin typeface="Cambria Math" panose="02040503050406030204" pitchFamily="18" charset="0"/>
+                            <a:ea typeface="Cambria Math" panose="02040503050406030204" pitchFamily="18" charset="0"/>
+                          </a:rPr>
+                        </m:ctrlPr>
+                      </m:sSubPr>
+                      <m:e>
+                        <m:r>
+                          <a:rPr lang="en-US" altLang="ko-KR" sz="1200" i="1" dirty="0">
+                            <a:latin typeface="Cambria Math" panose="02040503050406030204" pitchFamily="18" charset="0"/>
+                            <a:ea typeface="Cambria Math" panose="02040503050406030204" pitchFamily="18" charset="0"/>
+                          </a:rPr>
+                          <m:t>𝑁</m:t>
+                        </m:r>
+                      </m:e>
+                      <m:sub>
+                        <m:r>
+                          <a:rPr lang="en-US" altLang="ko-KR" sz="1200" i="1" dirty="0">
+                            <a:latin typeface="Cambria Math" panose="02040503050406030204" pitchFamily="18" charset="0"/>
+                            <a:ea typeface="Cambria Math" panose="02040503050406030204" pitchFamily="18" charset="0"/>
+                          </a:rPr>
+                          <m:t>𝑏</m:t>
+                        </m:r>
+                      </m:sub>
+                    </m:sSub>
+                    <m:d>
+                      <m:dPr>
+                        <m:ctrlPr>
+                          <a:rPr lang="en-US" altLang="ko-KR" sz="1200" i="1" dirty="0">
+                            <a:latin typeface="Cambria Math" panose="02040503050406030204" pitchFamily="18" charset="0"/>
+                            <a:ea typeface="Cambria Math" panose="02040503050406030204" pitchFamily="18" charset="0"/>
+                          </a:rPr>
+                        </m:ctrlPr>
+                      </m:dPr>
+                      <m:e>
+                        <m:sSup>
+                          <m:sSupPr>
+                            <m:ctrlPr>
+                              <a:rPr lang="en-US" altLang="ko-KR" sz="1200" i="1" dirty="0">
+                                <a:latin typeface="Cambria Math" panose="02040503050406030204" pitchFamily="18" charset="0"/>
+                                <a:ea typeface="Cambria Math" panose="02040503050406030204" pitchFamily="18" charset="0"/>
+                              </a:rPr>
+                            </m:ctrlPr>
+                          </m:sSupPr>
+                          <m:e>
+                            <m:r>
+                              <a:rPr lang="en-US" altLang="ko-KR" sz="1200" i="1" dirty="0">
+                                <a:latin typeface="Cambria Math" panose="02040503050406030204" pitchFamily="18" charset="0"/>
+                                <a:ea typeface="Cambria Math" panose="02040503050406030204" pitchFamily="18" charset="0"/>
+                              </a:rPr>
+                              <m:t>𝑟</m:t>
+                            </m:r>
+                          </m:e>
+                          <m:sup>
+                            <m:r>
+                              <a:rPr lang="en-US" altLang="ko-KR" sz="1200" i="1" dirty="0">
+                                <a:latin typeface="Cambria Math" panose="02040503050406030204" pitchFamily="18" charset="0"/>
+                                <a:ea typeface="Cambria Math" panose="02040503050406030204" pitchFamily="18" charset="0"/>
+                              </a:rPr>
+                              <m:t>∗</m:t>
+                            </m:r>
+                          </m:sup>
+                        </m:sSup>
+                      </m:e>
+                    </m:d>
+                  </m:oMath>
+                </a14:m>
+                <a:r>
+                  <a:rPr lang="ko-KR" altLang="en-US" sz="1200" i="1" dirty="0">
+                    <a:ea typeface="Cambria Math" panose="02040503050406030204" pitchFamily="18" charset="0"/>
+                  </a:rPr>
+                  <a:t>에 저장된 </a:t>
+                </a:r>
+                <a14:m>
+                  <m:oMath xmlns:m="http://schemas.openxmlformats.org/officeDocument/2006/math">
+                    <m:sSup>
+                      <m:sSupPr>
+                        <m:ctrlPr>
+                          <a:rPr lang="en-US" altLang="ko-KR" sz="1200" i="1" dirty="0">
+                            <a:latin typeface="Cambria Math" panose="02040503050406030204" pitchFamily="18" charset="0"/>
+                            <a:ea typeface="Cambria Math" panose="02040503050406030204" pitchFamily="18" charset="0"/>
+                          </a:rPr>
+                        </m:ctrlPr>
+                      </m:sSupPr>
+                      <m:e>
+                        <m:r>
+                          <a:rPr lang="en-US" altLang="ko-KR" sz="1200" i="1" dirty="0">
+                            <a:latin typeface="Cambria Math" panose="02040503050406030204" pitchFamily="18" charset="0"/>
+                            <a:ea typeface="Cambria Math" panose="02040503050406030204" pitchFamily="18" charset="0"/>
+                          </a:rPr>
+                          <m:t>𝑟</m:t>
+                        </m:r>
+                      </m:e>
+                      <m:sup>
+                        <m:r>
+                          <a:rPr lang="en-US" altLang="ko-KR" sz="1200" i="1" dirty="0">
+                            <a:latin typeface="Cambria Math" panose="02040503050406030204" pitchFamily="18" charset="0"/>
+                            <a:ea typeface="Cambria Math" panose="02040503050406030204" pitchFamily="18" charset="0"/>
+                          </a:rPr>
+                          <m:t>∗</m:t>
+                        </m:r>
+                      </m:sup>
+                    </m:sSup>
+                  </m:oMath>
+                </a14:m>
+                <a:r>
+                  <a:rPr lang="ko-KR" altLang="en-US" sz="1200" i="1" dirty="0">
+                    <a:ea typeface="Cambria Math" panose="02040503050406030204" pitchFamily="18" charset="0"/>
+                  </a:rPr>
+                  <a:t>로부터 가장 거리가 가까운 </a:t>
+                </a:r>
+                <a:r>
+                  <a:rPr lang="en-US" altLang="ko-KR" sz="1200" i="1" dirty="0">
+                    <a:ea typeface="Cambria Math" panose="02040503050406030204" pitchFamily="18" charset="0"/>
+                  </a:rPr>
+                  <a:t>coreset</a:t>
+                </a:r>
+              </a:p>
+              <a:p>
+                <a:endParaRPr lang="en-US" altLang="ko-KR" sz="1200" i="1" dirty="0">
+                  <a:ea typeface="Cambria Math" panose="02040503050406030204" pitchFamily="18" charset="0"/>
+                </a:endParaRPr>
+              </a:p>
+            </p:txBody>
+          </p:sp>
+        </mc:Choice>
+        <mc:Fallback>
+          <p:sp>
+            <p:nvSpPr>
+              <p:cNvPr id="5" name="자유형: 도형 4">
+                <a:extLst>
+                  <a:ext uri="{FF2B5EF4-FFF2-40B4-BE49-F238E27FC236}">
+                    <a16:creationId xmlns:a16="http://schemas.microsoft.com/office/drawing/2014/main" id="{49C6096B-1B9E-4FC3-9522-AB7A8E2573DB}"/>
+                  </a:ext>
+                </a:extLst>
+              </p:cNvPr>
+              <p:cNvSpPr>
+                <a:spLocks noRot="1" noChangeAspect="1" noMove="1" noResize="1" noEditPoints="1" noAdjustHandles="1" noChangeArrowheads="1" noChangeShapeType="1" noTextEdit="1"/>
+              </p:cNvSpPr>
+              <p:nvPr/>
+            </p:nvSpPr>
+            <p:spPr>
+              <a:xfrm>
+                <a:off x="6484590" y="3005827"/>
+                <a:ext cx="4583460" cy="2582173"/>
+              </a:xfrm>
+              <a:custGeom>
+                <a:avLst/>
+                <a:gdLst/>
+                <a:ahLst/>
+                <a:cxnLst>
+                  <a:cxn ang="3cd4">
+                    <a:pos x="hc" y="t"/>
+                  </a:cxn>
+                  <a:cxn ang="cd2">
+                    <a:pos x="l" y="vc"/>
+                  </a:cxn>
+                  <a:cxn ang="cd4">
+                    <a:pos x="hc" y="b"/>
+                  </a:cxn>
+                  <a:cxn ang="0">
+                    <a:pos x="r" y="vc"/>
+                  </a:cxn>
+                </a:cxnLst>
+                <a:rect l="l" t="t" r="r" b="b"/>
+                <a:pathLst>
+                  <a:path w="914400" h="914400">
+                    <a:moveTo>
+                      <a:pt x="0" y="0"/>
+                    </a:moveTo>
+                    <a:lnTo>
+                      <a:pt x="914400" y="0"/>
+                    </a:lnTo>
+                    <a:lnTo>
+                      <a:pt x="914400" y="914400"/>
+                    </a:lnTo>
+                    <a:lnTo>
+                      <a:pt x="0" y="914400"/>
+                    </a:lnTo>
+                    <a:close/>
+                  </a:path>
+                </a:pathLst>
+              </a:custGeom>
+              <a:blipFill>
+                <a:blip r:embed="rId4"/>
+                <a:stretch>
+                  <a:fillRect l="-133" t="-236"/>
+                </a:stretch>
+              </a:blipFill>
+            </p:spPr>
+            <p:txBody>
+              <a:bodyPr/>
+              <a:lstStyle/>
+              <a:p>
+                <a:r>
+                  <a:rPr lang="ko-KR" altLang="en-US">
+                    <a:noFill/>
+                  </a:rPr>
+                  <a:t> </a:t>
+                </a:r>
+              </a:p>
+            </p:txBody>
+          </p:sp>
+        </mc:Fallback>
+      </mc:AlternateContent>
     </p:spTree>
     <p:extLst>
       <p:ext uri="{BB962C8B-B14F-4D97-AF65-F5344CB8AC3E}">
@@ -5040,7 +5865,7 @@
     <mc:Choice Requires="p14">
       <p:transition/>
     </mc:Choice>
-    <mc:Fallback xmlns:dsp="http://schemas.microsoft.com/office/drawing/2008/diagram" xmlns:dgm="http://schemas.openxmlformats.org/drawingml/2006/diagram" xmlns:c="http://schemas.openxmlformats.org/drawingml/2006/chart" xmlns="">
+    <mc:Fallback xmlns="" xmlns:c="http://schemas.openxmlformats.org/drawingml/2006/chart" xmlns:dgm="http://schemas.openxmlformats.org/drawingml/2006/diagram" xmlns:dsp="http://schemas.microsoft.com/office/drawing/2008/diagram">
       <p:transition/>
     </mc:Fallback>
   </mc:AlternateContent>
@@ -5223,7 +6048,7 @@
     <mc:Choice Requires="p14">
       <p:transition/>
     </mc:Choice>
-    <mc:Fallback xmlns:dsp="http://schemas.microsoft.com/office/drawing/2008/diagram" xmlns:dgm="http://schemas.openxmlformats.org/drawingml/2006/diagram" xmlns:c="http://schemas.openxmlformats.org/drawingml/2006/chart" xmlns="">
+    <mc:Fallback xmlns="" xmlns:c="http://schemas.openxmlformats.org/drawingml/2006/chart" xmlns:dgm="http://schemas.openxmlformats.org/drawingml/2006/diagram" xmlns:dsp="http://schemas.microsoft.com/office/drawing/2008/diagram">
       <p:transition/>
     </mc:Fallback>
   </mc:AlternateContent>
@@ -6632,7 +7457,7 @@
     <mc:Choice Requires="p14">
       <p:transition/>
     </mc:Choice>
-    <mc:Fallback xmlns:a14="http://schemas.microsoft.com/office/drawing/2010/main" xmlns:dsp="http://schemas.microsoft.com/office/drawing/2008/diagram" xmlns:dgm="http://schemas.openxmlformats.org/drawingml/2006/diagram" xmlns:c="http://schemas.openxmlformats.org/drawingml/2006/chart" xmlns="">
+    <mc:Fallback xmlns="" xmlns:c="http://schemas.openxmlformats.org/drawingml/2006/chart" xmlns:dgm="http://schemas.openxmlformats.org/drawingml/2006/diagram" xmlns:dsp="http://schemas.microsoft.com/office/drawing/2008/diagram" xmlns:a14="http://schemas.microsoft.com/office/drawing/2010/main">
       <p:transition/>
     </mc:Fallback>
   </mc:AlternateContent>
@@ -6996,7 +7821,7 @@
     <mc:Choice Requires="p14">
       <p:transition/>
     </mc:Choice>
-    <mc:Fallback xmlns:a14="http://schemas.microsoft.com/office/drawing/2010/main" xmlns:dsp="http://schemas.microsoft.com/office/drawing/2008/diagram" xmlns:dgm="http://schemas.openxmlformats.org/drawingml/2006/diagram" xmlns:c="http://schemas.openxmlformats.org/drawingml/2006/chart" xmlns="">
+    <mc:Fallback xmlns="" xmlns:c="http://schemas.openxmlformats.org/drawingml/2006/chart" xmlns:dgm="http://schemas.openxmlformats.org/drawingml/2006/diagram" xmlns:dsp="http://schemas.microsoft.com/office/drawing/2008/diagram" xmlns:a14="http://schemas.microsoft.com/office/drawing/2010/main">
       <p:transition/>
     </mc:Fallback>
   </mc:AlternateContent>
@@ -8247,7 +9072,7 @@
     <mc:Choice Requires="p14">
       <p:transition/>
     </mc:Choice>
-    <mc:Fallback xmlns:a14="http://schemas.microsoft.com/office/drawing/2010/main" xmlns:dsp="http://schemas.microsoft.com/office/drawing/2008/diagram" xmlns:dgm="http://schemas.openxmlformats.org/drawingml/2006/diagram" xmlns:c="http://schemas.openxmlformats.org/drawingml/2006/chart" xmlns="">
+    <mc:Fallback xmlns="" xmlns:c="http://schemas.openxmlformats.org/drawingml/2006/chart" xmlns:dgm="http://schemas.openxmlformats.org/drawingml/2006/diagram" xmlns:dsp="http://schemas.microsoft.com/office/drawing/2008/diagram" xmlns:a14="http://schemas.microsoft.com/office/drawing/2010/main">
       <p:transition/>
     </mc:Fallback>
   </mc:AlternateContent>
@@ -9060,7 +9885,7 @@
     <mc:Choice Requires="p14">
       <p:transition/>
     </mc:Choice>
-    <mc:Fallback xmlns:a14="http://schemas.microsoft.com/office/drawing/2010/main" xmlns:dsp="http://schemas.microsoft.com/office/drawing/2008/diagram" xmlns:dgm="http://schemas.openxmlformats.org/drawingml/2006/diagram" xmlns:c="http://schemas.openxmlformats.org/drawingml/2006/chart" xmlns="">
+    <mc:Fallback xmlns="" xmlns:c="http://schemas.openxmlformats.org/drawingml/2006/chart" xmlns:dgm="http://schemas.openxmlformats.org/drawingml/2006/diagram" xmlns:dsp="http://schemas.microsoft.com/office/drawing/2008/diagram" xmlns:a14="http://schemas.microsoft.com/office/drawing/2010/main">
       <p:transition/>
     </mc:Fallback>
   </mc:AlternateContent>
@@ -9243,7 +10068,7 @@
     <mc:Choice Requires="p14">
       <p:transition/>
     </mc:Choice>
-    <mc:Fallback xmlns:dsp="http://schemas.microsoft.com/office/drawing/2008/diagram" xmlns:dgm="http://schemas.openxmlformats.org/drawingml/2006/diagram" xmlns:c="http://schemas.openxmlformats.org/drawingml/2006/chart" xmlns="">
+    <mc:Fallback xmlns="" xmlns:c="http://schemas.openxmlformats.org/drawingml/2006/chart" xmlns:dgm="http://schemas.openxmlformats.org/drawingml/2006/diagram" xmlns:dsp="http://schemas.microsoft.com/office/drawing/2008/diagram">
       <p:transition/>
     </mc:Fallback>
   </mc:AlternateContent>
@@ -9568,7 +10393,7 @@
     <mc:Choice Requires="p14">
       <p:transition/>
     </mc:Choice>
-    <mc:Fallback xmlns:dsp="http://schemas.microsoft.com/office/drawing/2008/diagram" xmlns:dgm="http://schemas.openxmlformats.org/drawingml/2006/diagram" xmlns:c="http://schemas.openxmlformats.org/drawingml/2006/chart" xmlns="">
+    <mc:Fallback xmlns="" xmlns:c="http://schemas.openxmlformats.org/drawingml/2006/chart" xmlns:dgm="http://schemas.openxmlformats.org/drawingml/2006/diagram" xmlns:dsp="http://schemas.microsoft.com/office/drawing/2008/diagram">
       <p:transition/>
     </mc:Fallback>
   </mc:AlternateContent>
